--- a/Presentation.pptx
+++ b/Presentation.pptx
@@ -9,17 +9,20 @@
     <p:sldId id="257" r:id="rId3"/>
     <p:sldId id="258" r:id="rId4"/>
     <p:sldId id="259" r:id="rId5"/>
-    <p:sldId id="272" r:id="rId6"/>
-    <p:sldId id="273" r:id="rId7"/>
-    <p:sldId id="269" r:id="rId8"/>
-    <p:sldId id="260" r:id="rId9"/>
-    <p:sldId id="268" r:id="rId10"/>
-    <p:sldId id="263" r:id="rId11"/>
-    <p:sldId id="266" r:id="rId12"/>
-    <p:sldId id="264" r:id="rId13"/>
-    <p:sldId id="262" r:id="rId14"/>
-    <p:sldId id="265" r:id="rId15"/>
-    <p:sldId id="271" r:id="rId16"/>
+    <p:sldId id="275" r:id="rId6"/>
+    <p:sldId id="274" r:id="rId7"/>
+    <p:sldId id="272" r:id="rId8"/>
+    <p:sldId id="273" r:id="rId9"/>
+    <p:sldId id="269" r:id="rId10"/>
+    <p:sldId id="276" r:id="rId11"/>
+    <p:sldId id="260" r:id="rId12"/>
+    <p:sldId id="268" r:id="rId13"/>
+    <p:sldId id="263" r:id="rId14"/>
+    <p:sldId id="266" r:id="rId15"/>
+    <p:sldId id="264" r:id="rId16"/>
+    <p:sldId id="262" r:id="rId17"/>
+    <p:sldId id="265" r:id="rId18"/>
+    <p:sldId id="271" r:id="rId19"/>
   </p:sldIdLst>
   <p:sldSz cx="12192000" cy="6858000"/>
   <p:notesSz cx="6858000" cy="9144000"/>
@@ -124,25 +127,6 @@
     </p:ext>
   </p:extLst>
 </p:presentation>
-</file>
-
-<file path=ppt/revisionInfo.xml><?xml version="1.0" encoding="utf-8"?>
-<p1510:revInfo xmlns:a="http://schemas.openxmlformats.org/drawingml/2006/main" xmlns:r="http://schemas.openxmlformats.org/officeDocument/2006/relationships" xmlns:p1510="http://schemas.microsoft.com/office/powerpoint/2015/10/main">
-  <p1510:revLst>
-    <p1510:client id="{17D7DE0C-5AD9-4143-AF02-6362BFCE94BB}" v="10" dt="2023-12-03T11:23:56.589"/>
-    <p1510:client id="{52F328FF-FD82-43F4-800A-5AE7D5152354}" v="617" dt="2023-12-03T12:07:41.972"/>
-    <p1510:client id="{6DAACEB8-B089-4AA0-B2AB-0C07A32E09DA}" v="67" dt="2023-12-03T20:09:56.459"/>
-    <p1510:client id="{732B85B6-3F0B-42E1-8C9E-BA6CF55D70C4}" v="57" dt="2023-12-03T17:52:25.201"/>
-    <p1510:client id="{8A6010FE-AA90-49E5-937E-0E2E878AF0F3}" v="16" dt="2023-12-03T18:24:10.246"/>
-    <p1510:client id="{99A112A4-FB59-447A-810C-CDAB6667E470}" v="1" dt="2023-12-01T18:07:16.512"/>
-    <p1510:client id="{9E102092-96AF-4AB7-8313-0568E5F40E4F}" v="19" dt="2023-12-03T21:49:11.642"/>
-    <p1510:client id="{A856E0F2-41B2-4C7E-935A-C3F28CE37093}" v="302" dt="2023-12-03T22:17:43.504"/>
-    <p1510:client id="{B087D265-F2F6-4CEA-8918-AEEAD4DDA569}" v="10" dt="2023-12-03T21:47:05.827"/>
-    <p1510:client id="{B4299251-832D-4F63-842E-9049E2CA7EF9}" v="10" dt="2023-12-03T10:55:06.245"/>
-    <p1510:client id="{D1BD420F-9AB2-4314-88D1-9619DF8C69C4}" v="760" dt="2023-12-03T22:30:51.253"/>
-    <p1510:client id="{E1345D58-09EF-4F7F-8D47-24F7D1670831}" v="130" dt="2023-12-03T16:58:54.448"/>
-  </p1510:revLst>
-</p1510:revInfo>
 </file>
 
 <file path=ppt/slideLayouts/slideLayout1.xml><?xml version="1.0" encoding="utf-8"?>
@@ -6373,6 +6357,1641 @@
       </p:grpSpPr>
       <p:sp>
         <p:nvSpPr>
+          <p:cNvPr id="24" name="Freeform 6">
+            <a:extLst>
+              <a:ext uri="{FF2B5EF4-FFF2-40B4-BE49-F238E27FC236}">
+                <a16:creationId xmlns:a16="http://schemas.microsoft.com/office/drawing/2014/main" id="{133F8CB7-795C-4272-9073-64D8CF97F220}"/>
+              </a:ext>
+              <a:ext uri="{C183D7F6-B498-43B3-948B-1728B52AA6E4}">
+                <adec:decorative xmlns:adec="http://schemas.microsoft.com/office/drawing/2017/decorative" val="1"/>
+              </a:ext>
+            </a:extLst>
+          </p:cNvPr>
+          <p:cNvSpPr>
+            <a:spLocks noGrp="1" noRot="1" noChangeAspect="1" noMove="1" noResize="1" noEditPoints="1" noAdjustHandles="1" noChangeArrowheads="1" noChangeShapeType="1" noTextEdit="1"/>
+          </p:cNvSpPr>
+          <p:nvPr>
+            <p:extLst>
+              <p:ext uri="{386F3935-93C4-4BCD-93E2-E3B085C9AB24}">
+                <p16:designElem xmlns:p16="http://schemas.microsoft.com/office/powerpoint/2015/main" val="1"/>
+              </p:ext>
+            </p:extLst>
+          </p:nvPr>
+        </p:nvSpPr>
+        <p:spPr bwMode="auto">
+          <a:xfrm>
+            <a:off x="0" y="-3175"/>
+            <a:ext cx="12192000" cy="5203825"/>
+          </a:xfrm>
+          <a:custGeom>
+            <a:avLst/>
+            <a:gdLst/>
+            <a:ahLst/>
+            <a:cxnLst/>
+            <a:rect l="0" t="0" r="r" b="b"/>
+            <a:pathLst>
+              <a:path w="5760" h="3278">
+                <a:moveTo>
+                  <a:pt x="5760" y="0"/>
+                </a:moveTo>
+                <a:lnTo>
+                  <a:pt x="0" y="0"/>
+                </a:lnTo>
+                <a:lnTo>
+                  <a:pt x="0" y="3090"/>
+                </a:lnTo>
+                <a:lnTo>
+                  <a:pt x="943" y="3090"/>
+                </a:lnTo>
+                <a:lnTo>
+                  <a:pt x="1123" y="3270"/>
+                </a:lnTo>
+                <a:lnTo>
+                  <a:pt x="1123" y="3270"/>
+                </a:lnTo>
+                <a:lnTo>
+                  <a:pt x="1127" y="3272"/>
+                </a:lnTo>
+                <a:lnTo>
+                  <a:pt x="1133" y="3275"/>
+                </a:lnTo>
+                <a:lnTo>
+                  <a:pt x="1139" y="3278"/>
+                </a:lnTo>
+                <a:lnTo>
+                  <a:pt x="1144" y="3278"/>
+                </a:lnTo>
+                <a:lnTo>
+                  <a:pt x="1150" y="3278"/>
+                </a:lnTo>
+                <a:lnTo>
+                  <a:pt x="1155" y="3275"/>
+                </a:lnTo>
+                <a:lnTo>
+                  <a:pt x="1161" y="3272"/>
+                </a:lnTo>
+                <a:lnTo>
+                  <a:pt x="1165" y="3270"/>
+                </a:lnTo>
+                <a:lnTo>
+                  <a:pt x="1345" y="3090"/>
+                </a:lnTo>
+                <a:lnTo>
+                  <a:pt x="5760" y="3090"/>
+                </a:lnTo>
+                <a:lnTo>
+                  <a:pt x="5760" y="0"/>
+                </a:lnTo>
+                <a:close/>
+              </a:path>
+            </a:pathLst>
+          </a:custGeom>
+          <a:ln/>
+          <a:effectLst/>
+          <a:extLst>
+            <a:ext uri="{91240B29-F687-4f45-9708-019B960494DF}">
+              <a14:hiddenLine xmlns="" xmlns:a16="http://schemas.microsoft.com/office/drawing/2014/main" xmlns:p14="http://schemas.microsoft.com/office/powerpoint/2010/main" xmlns:a14="http://schemas.microsoft.com/office/drawing/2010/main" w="9525">
+                <a:solidFill>
+                  <a:srgbClr val="000000"/>
+                </a:solidFill>
+                <a:round/>
+                <a:headEnd/>
+                <a:tailEnd/>
+              </a14:hiddenLine>
+            </a:ext>
+          </a:extLst>
+        </p:spPr>
+        <p:style>
+          <a:lnRef idx="1">
+            <a:schemeClr val="accent1"/>
+          </a:lnRef>
+          <a:fillRef idx="3">
+            <a:schemeClr val="accent1"/>
+          </a:fillRef>
+          <a:effectRef idx="2">
+            <a:schemeClr val="accent1"/>
+          </a:effectRef>
+          <a:fontRef idx="minor">
+            <a:schemeClr val="lt1"/>
+          </a:fontRef>
+        </p:style>
+      </p:sp>
+      <p:sp>
+        <p:nvSpPr>
+          <p:cNvPr id="26" name="Freeform 9">
+            <a:extLst>
+              <a:ext uri="{FF2B5EF4-FFF2-40B4-BE49-F238E27FC236}">
+                <a16:creationId xmlns:a16="http://schemas.microsoft.com/office/drawing/2014/main" id="{7AF0B711-0578-47A6-AB9A-AF422D2535BF}"/>
+              </a:ext>
+              <a:ext uri="{C183D7F6-B498-43B3-948B-1728B52AA6E4}">
+                <adec:decorative xmlns:adec="http://schemas.microsoft.com/office/drawing/2017/decorative" val="1"/>
+              </a:ext>
+            </a:extLst>
+          </p:cNvPr>
+          <p:cNvSpPr>
+            <a:spLocks noGrp="1" noRot="1" noChangeAspect="1" noMove="1" noResize="1" noEditPoints="1" noAdjustHandles="1" noChangeArrowheads="1" noChangeShapeType="1" noTextEdit="1"/>
+          </p:cNvSpPr>
+          <p:nvPr>
+            <p:extLst>
+              <p:ext uri="{386F3935-93C4-4BCD-93E2-E3B085C9AB24}">
+                <p16:designElem xmlns:p16="http://schemas.microsoft.com/office/powerpoint/2015/main" val="1"/>
+              </p:ext>
+            </p:extLst>
+          </p:nvPr>
+        </p:nvSpPr>
+        <p:spPr bwMode="white">
+          <a:xfrm>
+            <a:off x="0" y="4525094"/>
+            <a:ext cx="12192000" cy="2332906"/>
+          </a:xfrm>
+          <a:custGeom>
+            <a:avLst/>
+            <a:gdLst>
+              <a:gd name="connsiteX0" fmla="*/ 0 w 12192000"/>
+              <a:gd name="connsiteY0" fmla="*/ 0 h 2332906"/>
+              <a:gd name="connsiteX1" fmla="*/ 1996017 w 12192000"/>
+              <a:gd name="connsiteY1" fmla="*/ 0 h 2332906"/>
+              <a:gd name="connsiteX2" fmla="*/ 2377017 w 12192000"/>
+              <a:gd name="connsiteY2" fmla="*/ 263783 h 2332906"/>
+              <a:gd name="connsiteX3" fmla="*/ 2385484 w 12192000"/>
+              <a:gd name="connsiteY3" fmla="*/ 266713 h 2332906"/>
+              <a:gd name="connsiteX4" fmla="*/ 2398184 w 12192000"/>
+              <a:gd name="connsiteY4" fmla="*/ 271110 h 2332906"/>
+              <a:gd name="connsiteX5" fmla="*/ 2410883 w 12192000"/>
+              <a:gd name="connsiteY5" fmla="*/ 275506 h 2332906"/>
+              <a:gd name="connsiteX6" fmla="*/ 2421467 w 12192000"/>
+              <a:gd name="connsiteY6" fmla="*/ 275506 h 2332906"/>
+              <a:gd name="connsiteX7" fmla="*/ 2434167 w 12192000"/>
+              <a:gd name="connsiteY7" fmla="*/ 275506 h 2332906"/>
+              <a:gd name="connsiteX8" fmla="*/ 2444750 w 12192000"/>
+              <a:gd name="connsiteY8" fmla="*/ 271110 h 2332906"/>
+              <a:gd name="connsiteX9" fmla="*/ 2457450 w 12192000"/>
+              <a:gd name="connsiteY9" fmla="*/ 266713 h 2332906"/>
+              <a:gd name="connsiteX10" fmla="*/ 2465917 w 12192000"/>
+              <a:gd name="connsiteY10" fmla="*/ 263783 h 2332906"/>
+              <a:gd name="connsiteX11" fmla="*/ 2846917 w 12192000"/>
+              <a:gd name="connsiteY11" fmla="*/ 0 h 2332906"/>
+              <a:gd name="connsiteX12" fmla="*/ 12192000 w 12192000"/>
+              <a:gd name="connsiteY12" fmla="*/ 0 h 2332906"/>
+              <a:gd name="connsiteX13" fmla="*/ 12192000 w 12192000"/>
+              <a:gd name="connsiteY13" fmla="*/ 2332906 h 2332906"/>
+              <a:gd name="connsiteX14" fmla="*/ 0 w 12192000"/>
+              <a:gd name="connsiteY14" fmla="*/ 2332906 h 2332906"/>
+            </a:gdLst>
+            <a:ahLst/>
+            <a:cxnLst>
+              <a:cxn ang="0">
+                <a:pos x="connsiteX0" y="connsiteY0"/>
+              </a:cxn>
+              <a:cxn ang="0">
+                <a:pos x="connsiteX1" y="connsiteY1"/>
+              </a:cxn>
+              <a:cxn ang="0">
+                <a:pos x="connsiteX2" y="connsiteY2"/>
+              </a:cxn>
+              <a:cxn ang="0">
+                <a:pos x="connsiteX3" y="connsiteY3"/>
+              </a:cxn>
+              <a:cxn ang="0">
+                <a:pos x="connsiteX4" y="connsiteY4"/>
+              </a:cxn>
+              <a:cxn ang="0">
+                <a:pos x="connsiteX5" y="connsiteY5"/>
+              </a:cxn>
+              <a:cxn ang="0">
+                <a:pos x="connsiteX6" y="connsiteY6"/>
+              </a:cxn>
+              <a:cxn ang="0">
+                <a:pos x="connsiteX7" y="connsiteY7"/>
+              </a:cxn>
+              <a:cxn ang="0">
+                <a:pos x="connsiteX8" y="connsiteY8"/>
+              </a:cxn>
+              <a:cxn ang="0">
+                <a:pos x="connsiteX9" y="connsiteY9"/>
+              </a:cxn>
+              <a:cxn ang="0">
+                <a:pos x="connsiteX10" y="connsiteY10"/>
+              </a:cxn>
+              <a:cxn ang="0">
+                <a:pos x="connsiteX11" y="connsiteY11"/>
+              </a:cxn>
+              <a:cxn ang="0">
+                <a:pos x="connsiteX12" y="connsiteY12"/>
+              </a:cxn>
+              <a:cxn ang="0">
+                <a:pos x="connsiteX13" y="connsiteY13"/>
+              </a:cxn>
+              <a:cxn ang="0">
+                <a:pos x="connsiteX14" y="connsiteY14"/>
+              </a:cxn>
+            </a:cxnLst>
+            <a:rect l="l" t="t" r="r" b="b"/>
+            <a:pathLst>
+              <a:path w="12192000" h="2332906">
+                <a:moveTo>
+                  <a:pt x="0" y="0"/>
+                </a:moveTo>
+                <a:lnTo>
+                  <a:pt x="1996017" y="0"/>
+                </a:lnTo>
+                <a:lnTo>
+                  <a:pt x="2377017" y="263783"/>
+                </a:lnTo>
+                <a:lnTo>
+                  <a:pt x="2385484" y="266713"/>
+                </a:lnTo>
+                <a:lnTo>
+                  <a:pt x="2398184" y="271110"/>
+                </a:lnTo>
+                <a:lnTo>
+                  <a:pt x="2410883" y="275506"/>
+                </a:lnTo>
+                <a:lnTo>
+                  <a:pt x="2421467" y="275506"/>
+                </a:lnTo>
+                <a:lnTo>
+                  <a:pt x="2434167" y="275506"/>
+                </a:lnTo>
+                <a:lnTo>
+                  <a:pt x="2444750" y="271110"/>
+                </a:lnTo>
+                <a:lnTo>
+                  <a:pt x="2457450" y="266713"/>
+                </a:lnTo>
+                <a:lnTo>
+                  <a:pt x="2465917" y="263783"/>
+                </a:lnTo>
+                <a:lnTo>
+                  <a:pt x="2846917" y="0"/>
+                </a:lnTo>
+                <a:lnTo>
+                  <a:pt x="12192000" y="0"/>
+                </a:lnTo>
+                <a:lnTo>
+                  <a:pt x="12192000" y="2332906"/>
+                </a:lnTo>
+                <a:lnTo>
+                  <a:pt x="0" y="2332906"/>
+                </a:lnTo>
+                <a:close/>
+              </a:path>
+            </a:pathLst>
+          </a:custGeom>
+          <a:solidFill>
+            <a:srgbClr val="212121"/>
+          </a:solidFill>
+          <a:ln>
+            <a:solidFill>
+              <a:schemeClr val="accent1"/>
+            </a:solidFill>
+          </a:ln>
+        </p:spPr>
+        <p:style>
+          <a:lnRef idx="2">
+            <a:schemeClr val="accent1">
+              <a:shade val="50000"/>
+            </a:schemeClr>
+          </a:lnRef>
+          <a:fillRef idx="1">
+            <a:schemeClr val="accent1"/>
+          </a:fillRef>
+          <a:effectRef idx="0">
+            <a:schemeClr val="accent1"/>
+          </a:effectRef>
+          <a:fontRef idx="minor">
+            <a:schemeClr val="lt1"/>
+          </a:fontRef>
+        </p:style>
+        <p:txBody>
+          <a:bodyPr rtlCol="0" anchor="ctr"/>
+          <a:lstStyle/>
+          <a:p>
+            <a:pPr algn="ctr"/>
+            <a:endParaRPr lang="en-US"/>
+          </a:p>
+        </p:txBody>
+      </p:sp>
+      <p:sp>
+        <p:nvSpPr>
+          <p:cNvPr id="2" name="Titel 1">
+            <a:extLst>
+              <a:ext uri="{FF2B5EF4-FFF2-40B4-BE49-F238E27FC236}">
+                <a16:creationId xmlns:a16="http://schemas.microsoft.com/office/drawing/2014/main" id="{97D1EB32-7633-B04E-C97F-D8D95C995271}"/>
+              </a:ext>
+            </a:extLst>
+          </p:cNvPr>
+          <p:cNvSpPr>
+            <a:spLocks noGrp="1"/>
+          </p:cNvSpPr>
+          <p:nvPr>
+            <p:ph type="title"/>
+          </p:nvPr>
+        </p:nvSpPr>
+        <p:spPr>
+          <a:xfrm>
+            <a:off x="810001" y="4817533"/>
+            <a:ext cx="10572000" cy="779529"/>
+          </a:xfrm>
+        </p:spPr>
+        <p:txBody>
+          <a:bodyPr vert="horz" lIns="91440" tIns="45720" rIns="91440" bIns="45720" rtlCol="0" anchor="b">
+            <a:normAutofit/>
+          </a:bodyPr>
+          <a:lstStyle/>
+          <a:p>
+            <a:r>
+              <a:rPr lang="en-US" dirty="0" err="1">
+                <a:solidFill>
+                  <a:srgbClr val="FFFFFF"/>
+                </a:solidFill>
+              </a:rPr>
+              <a:t>Auswertung</a:t>
+            </a:r>
+            <a:endParaRPr lang="en-US" dirty="0">
+              <a:solidFill>
+                <a:srgbClr val="FFFFFF"/>
+              </a:solidFill>
+            </a:endParaRPr>
+          </a:p>
+        </p:txBody>
+      </p:sp>
+      <p:pic>
+        <p:nvPicPr>
+          <p:cNvPr id="8" name="Inhaltsplatzhalter 7">
+            <a:extLst>
+              <a:ext uri="{FF2B5EF4-FFF2-40B4-BE49-F238E27FC236}">
+                <a16:creationId xmlns:a16="http://schemas.microsoft.com/office/drawing/2014/main" id="{4B81C5FC-D2A0-BB87-D081-B6EB24807A02}"/>
+              </a:ext>
+            </a:extLst>
+          </p:cNvPr>
+          <p:cNvPicPr>
+            <a:picLocks noGrp="1" noChangeAspect="1"/>
+          </p:cNvPicPr>
+          <p:nvPr>
+            <p:ph idx="1"/>
+          </p:nvPr>
+        </p:nvPicPr>
+        <p:blipFill rotWithShape="1">
+          <a:blip r:embed="rId2">
+            <a:extLst>
+              <a:ext uri="{28A0092B-C50C-407E-A947-70E740481C1C}">
+                <a14:useLocalDpi xmlns:a14="http://schemas.microsoft.com/office/drawing/2010/main" val="0"/>
+              </a:ext>
+            </a:extLst>
+          </a:blip>
+          <a:srcRect t="-35" b="-290"/>
+          <a:stretch/>
+        </p:blipFill>
+        <p:spPr>
+          <a:xfrm>
+            <a:off x="635456" y="640080"/>
+            <a:ext cx="10746545" cy="3602736"/>
+          </a:xfrm>
+          <a:prstGeom prst="roundRect">
+            <a:avLst>
+              <a:gd name="adj" fmla="val 3876"/>
+            </a:avLst>
+          </a:prstGeom>
+          <a:ln>
+            <a:solidFill>
+              <a:schemeClr val="accent1"/>
+            </a:solidFill>
+          </a:ln>
+          <a:effectLst/>
+        </p:spPr>
+      </p:pic>
+    </p:spTree>
+    <p:extLst>
+      <p:ext uri="{BB962C8B-B14F-4D97-AF65-F5344CB8AC3E}">
+        <p14:creationId xmlns:p14="http://schemas.microsoft.com/office/powerpoint/2010/main" val="1303137979"/>
+      </p:ext>
+    </p:extLst>
+  </p:cSld>
+  <p:clrMapOvr>
+    <a:masterClrMapping/>
+  </p:clrMapOvr>
+</p:sld>
+</file>
+
+<file path=ppt/slides/slide11.xml><?xml version="1.0" encoding="utf-8"?>
+<p:sld xmlns:a="http://schemas.openxmlformats.org/drawingml/2006/main" xmlns:r="http://schemas.openxmlformats.org/officeDocument/2006/relationships" xmlns:p="http://schemas.openxmlformats.org/presentationml/2006/main">
+  <p:cSld>
+    <p:bg>
+      <p:bgPr>
+        <a:solidFill>
+          <a:schemeClr val="bg2"/>
+        </a:solidFill>
+        <a:effectLst/>
+      </p:bgPr>
+    </p:bg>
+    <p:spTree>
+      <p:nvGrpSpPr>
+        <p:cNvPr id="1" name=""/>
+        <p:cNvGrpSpPr/>
+        <p:nvPr/>
+      </p:nvGrpSpPr>
+      <p:grpSpPr>
+        <a:xfrm>
+          <a:off x="0" y="0"/>
+          <a:ext cx="0" cy="0"/>
+          <a:chOff x="0" y="0"/>
+          <a:chExt cx="0" cy="0"/>
+        </a:xfrm>
+      </p:grpSpPr>
+      <p:sp>
+        <p:nvSpPr>
+          <p:cNvPr id="80" name="Freeform 6">
+            <a:extLst>
+              <a:ext uri="{FF2B5EF4-FFF2-40B4-BE49-F238E27FC236}">
+                <a16:creationId xmlns:a16="http://schemas.microsoft.com/office/drawing/2014/main" id="{11114F18-D12D-43C6-895F-5BA92C290CC1}"/>
+              </a:ext>
+              <a:ext uri="{C183D7F6-B498-43B3-948B-1728B52AA6E4}">
+                <adec:decorative xmlns:adec="http://schemas.microsoft.com/office/drawing/2017/decorative" val="1"/>
+              </a:ext>
+            </a:extLst>
+          </p:cNvPr>
+          <p:cNvSpPr>
+            <a:spLocks noGrp="1" noRot="1" noChangeAspect="1" noMove="1" noResize="1" noEditPoints="1" noAdjustHandles="1" noChangeArrowheads="1" noChangeShapeType="1" noTextEdit="1"/>
+          </p:cNvSpPr>
+          <p:nvPr>
+            <p:extLst>
+              <p:ext uri="{386F3935-93C4-4BCD-93E2-E3B085C9AB24}">
+                <p16:designElem xmlns:p16="http://schemas.microsoft.com/office/powerpoint/2015/main" val="1"/>
+              </p:ext>
+            </p:extLst>
+          </p:nvPr>
+        </p:nvSpPr>
+        <p:spPr bwMode="auto">
+          <a:xfrm>
+            <a:off x="0" y="-3175"/>
+            <a:ext cx="12192000" cy="5203825"/>
+          </a:xfrm>
+          <a:custGeom>
+            <a:avLst/>
+            <a:gdLst/>
+            <a:ahLst/>
+            <a:cxnLst/>
+            <a:rect l="0" t="0" r="r" b="b"/>
+            <a:pathLst>
+              <a:path w="5760" h="3278">
+                <a:moveTo>
+                  <a:pt x="5760" y="0"/>
+                </a:moveTo>
+                <a:lnTo>
+                  <a:pt x="0" y="0"/>
+                </a:lnTo>
+                <a:lnTo>
+                  <a:pt x="0" y="3090"/>
+                </a:lnTo>
+                <a:lnTo>
+                  <a:pt x="943" y="3090"/>
+                </a:lnTo>
+                <a:lnTo>
+                  <a:pt x="1123" y="3270"/>
+                </a:lnTo>
+                <a:lnTo>
+                  <a:pt x="1123" y="3270"/>
+                </a:lnTo>
+                <a:lnTo>
+                  <a:pt x="1127" y="3272"/>
+                </a:lnTo>
+                <a:lnTo>
+                  <a:pt x="1133" y="3275"/>
+                </a:lnTo>
+                <a:lnTo>
+                  <a:pt x="1139" y="3278"/>
+                </a:lnTo>
+                <a:lnTo>
+                  <a:pt x="1144" y="3278"/>
+                </a:lnTo>
+                <a:lnTo>
+                  <a:pt x="1150" y="3278"/>
+                </a:lnTo>
+                <a:lnTo>
+                  <a:pt x="1155" y="3275"/>
+                </a:lnTo>
+                <a:lnTo>
+                  <a:pt x="1161" y="3272"/>
+                </a:lnTo>
+                <a:lnTo>
+                  <a:pt x="1165" y="3270"/>
+                </a:lnTo>
+                <a:lnTo>
+                  <a:pt x="1345" y="3090"/>
+                </a:lnTo>
+                <a:lnTo>
+                  <a:pt x="5760" y="3090"/>
+                </a:lnTo>
+                <a:lnTo>
+                  <a:pt x="5760" y="0"/>
+                </a:lnTo>
+                <a:close/>
+              </a:path>
+            </a:pathLst>
+          </a:custGeom>
+          <a:ln/>
+          <a:effectLst/>
+          <a:extLst>
+            <a:ext uri="{91240B29-F687-4f45-9708-019B960494DF}">
+              <a14:hiddenLine xmlns="" xmlns:a16="http://schemas.microsoft.com/office/drawing/2014/main" xmlns:p14="http://schemas.microsoft.com/office/powerpoint/2010/main" xmlns:a14="http://schemas.microsoft.com/office/drawing/2010/main" w="9525">
+                <a:solidFill>
+                  <a:srgbClr val="000000"/>
+                </a:solidFill>
+                <a:round/>
+                <a:headEnd/>
+                <a:tailEnd/>
+              </a14:hiddenLine>
+            </a:ext>
+          </a:extLst>
+        </p:spPr>
+        <p:style>
+          <a:lnRef idx="1">
+            <a:schemeClr val="accent1"/>
+          </a:lnRef>
+          <a:fillRef idx="3">
+            <a:schemeClr val="accent1"/>
+          </a:fillRef>
+          <a:effectRef idx="2">
+            <a:schemeClr val="accent1"/>
+          </a:effectRef>
+          <a:fontRef idx="minor">
+            <a:schemeClr val="lt1"/>
+          </a:fontRef>
+        </p:style>
+      </p:sp>
+      <p:sp>
+        <p:nvSpPr>
+          <p:cNvPr id="95" name="Rounded Rectangle 16">
+            <a:extLst>
+              <a:ext uri="{FF2B5EF4-FFF2-40B4-BE49-F238E27FC236}">
+                <a16:creationId xmlns:a16="http://schemas.microsoft.com/office/drawing/2014/main" id="{AF9B2B08-75D2-47EB-A5C0-986478393C4B}"/>
+              </a:ext>
+              <a:ext uri="{C183D7F6-B498-43B3-948B-1728B52AA6E4}">
+                <adec:decorative xmlns:adec="http://schemas.microsoft.com/office/drawing/2017/decorative" val="1"/>
+              </a:ext>
+            </a:extLst>
+          </p:cNvPr>
+          <p:cNvSpPr>
+            <a:spLocks noGrp="1" noRot="1" noChangeAspect="1" noMove="1" noResize="1" noEditPoints="1" noAdjustHandles="1" noChangeArrowheads="1" noChangeShapeType="1" noTextEdit="1"/>
+          </p:cNvSpPr>
+          <p:nvPr>
+            <p:extLst>
+              <p:ext uri="{386F3935-93C4-4BCD-93E2-E3B085C9AB24}">
+                <p16:designElem xmlns:p16="http://schemas.microsoft.com/office/powerpoint/2015/main" val="1"/>
+              </p:ext>
+            </p:extLst>
+          </p:nvPr>
+        </p:nvSpPr>
+        <p:spPr>
+          <a:xfrm>
+            <a:off x="635458" y="643464"/>
+            <a:ext cx="5365605" cy="3599352"/>
+          </a:xfrm>
+          <a:prstGeom prst="roundRect">
+            <a:avLst>
+              <a:gd name="adj" fmla="val 4219"/>
+            </a:avLst>
+          </a:prstGeom>
+          <a:solidFill>
+            <a:schemeClr val="tx1"/>
+          </a:solidFill>
+          <a:ln>
+            <a:solidFill>
+              <a:schemeClr val="accent1">
+                <a:lumMod val="75000"/>
+              </a:schemeClr>
+            </a:solidFill>
+          </a:ln>
+          <a:effectLst/>
+        </p:spPr>
+        <p:style>
+          <a:lnRef idx="2">
+            <a:schemeClr val="accent1">
+              <a:shade val="50000"/>
+            </a:schemeClr>
+          </a:lnRef>
+          <a:fillRef idx="1">
+            <a:schemeClr val="accent1"/>
+          </a:fillRef>
+          <a:effectRef idx="0">
+            <a:schemeClr val="accent1"/>
+          </a:effectRef>
+          <a:fontRef idx="minor">
+            <a:schemeClr val="lt1"/>
+          </a:fontRef>
+        </p:style>
+        <p:txBody>
+          <a:bodyPr rtlCol="0" anchor="ctr"/>
+          <a:lstStyle/>
+          <a:p>
+            <a:pPr algn="ctr"/>
+            <a:endParaRPr lang="en-US"/>
+          </a:p>
+        </p:txBody>
+      </p:sp>
+      <p:sp>
+        <p:nvSpPr>
+          <p:cNvPr id="96" name="Rounded Rectangle 18">
+            <a:extLst>
+              <a:ext uri="{FF2B5EF4-FFF2-40B4-BE49-F238E27FC236}">
+                <a16:creationId xmlns:a16="http://schemas.microsoft.com/office/drawing/2014/main" id="{7E25C7D9-6246-4DD6-8994-4BC3A9EE4CEF}"/>
+              </a:ext>
+              <a:ext uri="{C183D7F6-B498-43B3-948B-1728B52AA6E4}">
+                <adec:decorative xmlns:adec="http://schemas.microsoft.com/office/drawing/2017/decorative" val="1"/>
+              </a:ext>
+            </a:extLst>
+          </p:cNvPr>
+          <p:cNvSpPr>
+            <a:spLocks noGrp="1" noRot="1" noChangeAspect="1" noMove="1" noResize="1" noEditPoints="1" noAdjustHandles="1" noChangeArrowheads="1" noChangeShapeType="1" noTextEdit="1"/>
+          </p:cNvSpPr>
+          <p:nvPr>
+            <p:extLst>
+              <p:ext uri="{386F3935-93C4-4BCD-93E2-E3B085C9AB24}">
+                <p16:designElem xmlns:p16="http://schemas.microsoft.com/office/powerpoint/2015/main" val="1"/>
+              </p:ext>
+            </p:extLst>
+          </p:nvPr>
+        </p:nvSpPr>
+        <p:spPr>
+          <a:xfrm>
+            <a:off x="6180932" y="643464"/>
+            <a:ext cx="5365605" cy="3599352"/>
+          </a:xfrm>
+          <a:prstGeom prst="roundRect">
+            <a:avLst>
+              <a:gd name="adj" fmla="val 4219"/>
+            </a:avLst>
+          </a:prstGeom>
+          <a:solidFill>
+            <a:schemeClr val="tx1"/>
+          </a:solidFill>
+          <a:ln>
+            <a:solidFill>
+              <a:schemeClr val="accent1">
+                <a:lumMod val="75000"/>
+              </a:schemeClr>
+            </a:solidFill>
+          </a:ln>
+          <a:effectLst/>
+        </p:spPr>
+        <p:style>
+          <a:lnRef idx="2">
+            <a:schemeClr val="accent1">
+              <a:shade val="50000"/>
+            </a:schemeClr>
+          </a:lnRef>
+          <a:fillRef idx="1">
+            <a:schemeClr val="accent1"/>
+          </a:fillRef>
+          <a:effectRef idx="0">
+            <a:schemeClr val="accent1"/>
+          </a:effectRef>
+          <a:fontRef idx="minor">
+            <a:schemeClr val="lt1"/>
+          </a:fontRef>
+        </p:style>
+        <p:txBody>
+          <a:bodyPr rtlCol="0" anchor="ctr"/>
+          <a:lstStyle/>
+          <a:p>
+            <a:pPr algn="ctr"/>
+            <a:endParaRPr lang="en-US"/>
+          </a:p>
+        </p:txBody>
+      </p:sp>
+      <p:grpSp>
+        <p:nvGrpSpPr>
+          <p:cNvPr id="86" name="Group 85">
+            <a:extLst>
+              <a:ext uri="{FF2B5EF4-FFF2-40B4-BE49-F238E27FC236}">
+                <a16:creationId xmlns:a16="http://schemas.microsoft.com/office/drawing/2014/main" id="{D16A414C-5E5E-4426-8403-003A08DA3907}"/>
+              </a:ext>
+              <a:ext uri="{C183D7F6-B498-43B3-948B-1728B52AA6E4}">
+                <adec:decorative xmlns:adec="http://schemas.microsoft.com/office/drawing/2017/decorative" val="1"/>
+              </a:ext>
+            </a:extLst>
+          </p:cNvPr>
+          <p:cNvGrpSpPr>
+            <a:grpSpLocks noGrp="1" noUngrp="1" noRot="1" noChangeAspect="1" noMove="1" noResize="1"/>
+          </p:cNvGrpSpPr>
+          <p:nvPr>
+            <p:extLst>
+              <p:ext uri="{386F3935-93C4-4BCD-93E2-E3B085C9AB24}">
+                <p16:designElem xmlns:p16="http://schemas.microsoft.com/office/powerpoint/2015/main" val="1"/>
+              </p:ext>
+            </p:extLst>
+          </p:nvPr>
+        </p:nvGrpSpPr>
+        <p:grpSpPr bwMode="white">
+          <a:xfrm>
+            <a:off x="0" y="4525094"/>
+            <a:ext cx="12203151" cy="2344057"/>
+            <a:chOff x="0" y="4525094"/>
+            <a:chExt cx="12203151" cy="2344057"/>
+          </a:xfrm>
+        </p:grpSpPr>
+        <p:sp>
+          <p:nvSpPr>
+            <p:cNvPr id="97" name="Freeform 9">
+              <a:extLst>
+                <a:ext uri="{FF2B5EF4-FFF2-40B4-BE49-F238E27FC236}">
+                  <a16:creationId xmlns:a16="http://schemas.microsoft.com/office/drawing/2014/main" id="{94DB3BEE-6C96-46FB-8C15-8B113A650B00}"/>
+                </a:ext>
+                <a:ext uri="{C183D7F6-B498-43B3-948B-1728B52AA6E4}">
+                  <adec:decorative xmlns:adec="http://schemas.microsoft.com/office/drawing/2017/decorative" val="1"/>
+                </a:ext>
+              </a:extLst>
+            </p:cNvPr>
+            <p:cNvSpPr/>
+            <p:nvPr>
+              <p:extLst>
+                <p:ext uri="{386F3935-93C4-4BCD-93E2-E3B085C9AB24}">
+                  <p16:designElem xmlns:p16="http://schemas.microsoft.com/office/powerpoint/2015/main" val="1"/>
+                </p:ext>
+              </p:extLst>
+            </p:nvPr>
+          </p:nvSpPr>
+          <p:spPr bwMode="white">
+            <a:xfrm>
+              <a:off x="0" y="4525094"/>
+              <a:ext cx="12192000" cy="2332906"/>
+            </a:xfrm>
+            <a:custGeom>
+              <a:avLst/>
+              <a:gdLst>
+                <a:gd name="connsiteX0" fmla="*/ 0 w 12192000"/>
+                <a:gd name="connsiteY0" fmla="*/ 0 h 2332906"/>
+                <a:gd name="connsiteX1" fmla="*/ 1996017 w 12192000"/>
+                <a:gd name="connsiteY1" fmla="*/ 0 h 2332906"/>
+                <a:gd name="connsiteX2" fmla="*/ 2377017 w 12192000"/>
+                <a:gd name="connsiteY2" fmla="*/ 263783 h 2332906"/>
+                <a:gd name="connsiteX3" fmla="*/ 2385484 w 12192000"/>
+                <a:gd name="connsiteY3" fmla="*/ 266713 h 2332906"/>
+                <a:gd name="connsiteX4" fmla="*/ 2398184 w 12192000"/>
+                <a:gd name="connsiteY4" fmla="*/ 271110 h 2332906"/>
+                <a:gd name="connsiteX5" fmla="*/ 2410883 w 12192000"/>
+                <a:gd name="connsiteY5" fmla="*/ 275506 h 2332906"/>
+                <a:gd name="connsiteX6" fmla="*/ 2421467 w 12192000"/>
+                <a:gd name="connsiteY6" fmla="*/ 275506 h 2332906"/>
+                <a:gd name="connsiteX7" fmla="*/ 2434167 w 12192000"/>
+                <a:gd name="connsiteY7" fmla="*/ 275506 h 2332906"/>
+                <a:gd name="connsiteX8" fmla="*/ 2444750 w 12192000"/>
+                <a:gd name="connsiteY8" fmla="*/ 271110 h 2332906"/>
+                <a:gd name="connsiteX9" fmla="*/ 2457450 w 12192000"/>
+                <a:gd name="connsiteY9" fmla="*/ 266713 h 2332906"/>
+                <a:gd name="connsiteX10" fmla="*/ 2465917 w 12192000"/>
+                <a:gd name="connsiteY10" fmla="*/ 263783 h 2332906"/>
+                <a:gd name="connsiteX11" fmla="*/ 2846917 w 12192000"/>
+                <a:gd name="connsiteY11" fmla="*/ 0 h 2332906"/>
+                <a:gd name="connsiteX12" fmla="*/ 12192000 w 12192000"/>
+                <a:gd name="connsiteY12" fmla="*/ 0 h 2332906"/>
+                <a:gd name="connsiteX13" fmla="*/ 12192000 w 12192000"/>
+                <a:gd name="connsiteY13" fmla="*/ 2332906 h 2332906"/>
+                <a:gd name="connsiteX14" fmla="*/ 0 w 12192000"/>
+                <a:gd name="connsiteY14" fmla="*/ 2332906 h 2332906"/>
+              </a:gdLst>
+              <a:ahLst/>
+              <a:cxnLst>
+                <a:cxn ang="0">
+                  <a:pos x="connsiteX0" y="connsiteY0"/>
+                </a:cxn>
+                <a:cxn ang="0">
+                  <a:pos x="connsiteX1" y="connsiteY1"/>
+                </a:cxn>
+                <a:cxn ang="0">
+                  <a:pos x="connsiteX2" y="connsiteY2"/>
+                </a:cxn>
+                <a:cxn ang="0">
+                  <a:pos x="connsiteX3" y="connsiteY3"/>
+                </a:cxn>
+                <a:cxn ang="0">
+                  <a:pos x="connsiteX4" y="connsiteY4"/>
+                </a:cxn>
+                <a:cxn ang="0">
+                  <a:pos x="connsiteX5" y="connsiteY5"/>
+                </a:cxn>
+                <a:cxn ang="0">
+                  <a:pos x="connsiteX6" y="connsiteY6"/>
+                </a:cxn>
+                <a:cxn ang="0">
+                  <a:pos x="connsiteX7" y="connsiteY7"/>
+                </a:cxn>
+                <a:cxn ang="0">
+                  <a:pos x="connsiteX8" y="connsiteY8"/>
+                </a:cxn>
+                <a:cxn ang="0">
+                  <a:pos x="connsiteX9" y="connsiteY9"/>
+                </a:cxn>
+                <a:cxn ang="0">
+                  <a:pos x="connsiteX10" y="connsiteY10"/>
+                </a:cxn>
+                <a:cxn ang="0">
+                  <a:pos x="connsiteX11" y="connsiteY11"/>
+                </a:cxn>
+                <a:cxn ang="0">
+                  <a:pos x="connsiteX12" y="connsiteY12"/>
+                </a:cxn>
+                <a:cxn ang="0">
+                  <a:pos x="connsiteX13" y="connsiteY13"/>
+                </a:cxn>
+                <a:cxn ang="0">
+                  <a:pos x="connsiteX14" y="connsiteY14"/>
+                </a:cxn>
+              </a:cxnLst>
+              <a:rect l="l" t="t" r="r" b="b"/>
+              <a:pathLst>
+                <a:path w="12192000" h="2332906">
+                  <a:moveTo>
+                    <a:pt x="0" y="0"/>
+                  </a:moveTo>
+                  <a:lnTo>
+                    <a:pt x="1996017" y="0"/>
+                  </a:lnTo>
+                  <a:lnTo>
+                    <a:pt x="2377017" y="263783"/>
+                  </a:lnTo>
+                  <a:lnTo>
+                    <a:pt x="2385484" y="266713"/>
+                  </a:lnTo>
+                  <a:lnTo>
+                    <a:pt x="2398184" y="271110"/>
+                  </a:lnTo>
+                  <a:lnTo>
+                    <a:pt x="2410883" y="275506"/>
+                  </a:lnTo>
+                  <a:lnTo>
+                    <a:pt x="2421467" y="275506"/>
+                  </a:lnTo>
+                  <a:lnTo>
+                    <a:pt x="2434167" y="275506"/>
+                  </a:lnTo>
+                  <a:lnTo>
+                    <a:pt x="2444750" y="271110"/>
+                  </a:lnTo>
+                  <a:lnTo>
+                    <a:pt x="2457450" y="266713"/>
+                  </a:lnTo>
+                  <a:lnTo>
+                    <a:pt x="2465917" y="263783"/>
+                  </a:lnTo>
+                  <a:lnTo>
+                    <a:pt x="2846917" y="0"/>
+                  </a:lnTo>
+                  <a:lnTo>
+                    <a:pt x="12192000" y="0"/>
+                  </a:lnTo>
+                  <a:lnTo>
+                    <a:pt x="12192000" y="2332906"/>
+                  </a:lnTo>
+                  <a:lnTo>
+                    <a:pt x="0" y="2332906"/>
+                  </a:lnTo>
+                  <a:close/>
+                </a:path>
+              </a:pathLst>
+            </a:custGeom>
+            <a:solidFill>
+              <a:schemeClr val="bg1">
+                <a:lumMod val="85000"/>
+                <a:lumOff val="15000"/>
+              </a:schemeClr>
+            </a:solidFill>
+            <a:ln>
+              <a:solidFill>
+                <a:schemeClr val="accent1"/>
+              </a:solidFill>
+            </a:ln>
+          </p:spPr>
+          <p:style>
+            <a:lnRef idx="2">
+              <a:schemeClr val="accent1">
+                <a:shade val="50000"/>
+              </a:schemeClr>
+            </a:lnRef>
+            <a:fillRef idx="1">
+              <a:schemeClr val="accent1"/>
+            </a:fillRef>
+            <a:effectRef idx="0">
+              <a:schemeClr val="accent1"/>
+            </a:effectRef>
+            <a:fontRef idx="minor">
+              <a:schemeClr val="lt1"/>
+            </a:fontRef>
+          </p:style>
+          <p:txBody>
+            <a:bodyPr rtlCol="0" anchor="ctr"/>
+            <a:lstStyle/>
+            <a:p>
+              <a:pPr algn="ctr"/>
+              <a:endParaRPr lang="en-US"/>
+            </a:p>
+          </p:txBody>
+        </p:sp>
+        <p:sp>
+          <p:nvSpPr>
+            <p:cNvPr id="98" name="Isosceles Triangle 87">
+              <a:extLst>
+                <a:ext uri="{FF2B5EF4-FFF2-40B4-BE49-F238E27FC236}">
+                  <a16:creationId xmlns:a16="http://schemas.microsoft.com/office/drawing/2014/main" id="{F40BAA06-E9BA-470B-A5C0-46A23420F7FE}"/>
+                </a:ext>
+                <a:ext uri="{C183D7F6-B498-43B3-948B-1728B52AA6E4}">
+                  <adec:decorative xmlns:adec="http://schemas.microsoft.com/office/drawing/2017/decorative" val="1"/>
+                </a:ext>
+              </a:extLst>
+            </p:cNvPr>
+            <p:cNvSpPr/>
+            <p:nvPr>
+              <p:extLst>
+                <p:ext uri="{386F3935-93C4-4BCD-93E2-E3B085C9AB24}">
+                  <p16:designElem xmlns:p16="http://schemas.microsoft.com/office/powerpoint/2015/main" val="1"/>
+                </p:ext>
+              </p:extLst>
+            </p:nvPr>
+          </p:nvSpPr>
+          <p:spPr bwMode="white">
+            <a:xfrm flipH="1">
+              <a:off x="3820" y="4536245"/>
+              <a:ext cx="5660999" cy="2332906"/>
+            </a:xfrm>
+            <a:prstGeom prst="triangle">
+              <a:avLst>
+                <a:gd name="adj" fmla="val 100000"/>
+              </a:avLst>
+            </a:prstGeom>
+            <a:solidFill>
+              <a:schemeClr val="bg1">
+                <a:lumMod val="85000"/>
+                <a:lumOff val="15000"/>
+              </a:schemeClr>
+            </a:solidFill>
+            <a:ln>
+              <a:noFill/>
+            </a:ln>
+          </p:spPr>
+          <p:style>
+            <a:lnRef idx="2">
+              <a:schemeClr val="accent1">
+                <a:shade val="50000"/>
+              </a:schemeClr>
+            </a:lnRef>
+            <a:fillRef idx="1">
+              <a:schemeClr val="accent1"/>
+            </a:fillRef>
+            <a:effectRef idx="0">
+              <a:schemeClr val="accent1"/>
+            </a:effectRef>
+            <a:fontRef idx="minor">
+              <a:schemeClr val="lt1"/>
+            </a:fontRef>
+          </p:style>
+          <p:txBody>
+            <a:bodyPr rtlCol="0" anchor="ctr"/>
+            <a:lstStyle/>
+            <a:p>
+              <a:pPr algn="ctr"/>
+              <a:endParaRPr lang="en-US"/>
+            </a:p>
+          </p:txBody>
+        </p:sp>
+        <p:sp>
+          <p:nvSpPr>
+            <p:cNvPr id="99" name="Isosceles Triangle 88">
+              <a:extLst>
+                <a:ext uri="{FF2B5EF4-FFF2-40B4-BE49-F238E27FC236}">
+                  <a16:creationId xmlns:a16="http://schemas.microsoft.com/office/drawing/2014/main" id="{062096F8-9F75-4506-A42C-8867603F6727}"/>
+                </a:ext>
+                <a:ext uri="{C183D7F6-B498-43B3-948B-1728B52AA6E4}">
+                  <adec:decorative xmlns:adec="http://schemas.microsoft.com/office/drawing/2017/decorative" val="1"/>
+                </a:ext>
+              </a:extLst>
+            </p:cNvPr>
+            <p:cNvSpPr/>
+            <p:nvPr>
+              <p:extLst>
+                <p:ext uri="{386F3935-93C4-4BCD-93E2-E3B085C9AB24}">
+                  <p16:designElem xmlns:p16="http://schemas.microsoft.com/office/powerpoint/2015/main" val="1"/>
+                </p:ext>
+              </p:extLst>
+            </p:nvPr>
+          </p:nvSpPr>
+          <p:spPr bwMode="white">
+            <a:xfrm>
+              <a:off x="4813714" y="4536245"/>
+              <a:ext cx="7389437" cy="2332906"/>
+            </a:xfrm>
+            <a:prstGeom prst="triangle">
+              <a:avLst>
+                <a:gd name="adj" fmla="val 100000"/>
+              </a:avLst>
+            </a:prstGeom>
+            <a:solidFill>
+              <a:schemeClr val="bg1">
+                <a:lumMod val="85000"/>
+                <a:lumOff val="15000"/>
+              </a:schemeClr>
+            </a:solidFill>
+            <a:ln>
+              <a:noFill/>
+            </a:ln>
+          </p:spPr>
+          <p:style>
+            <a:lnRef idx="2">
+              <a:schemeClr val="accent1">
+                <a:shade val="50000"/>
+              </a:schemeClr>
+            </a:lnRef>
+            <a:fillRef idx="1">
+              <a:schemeClr val="accent1"/>
+            </a:fillRef>
+            <a:effectRef idx="0">
+              <a:schemeClr val="accent1"/>
+            </a:effectRef>
+            <a:fontRef idx="minor">
+              <a:schemeClr val="lt1"/>
+            </a:fontRef>
+          </p:style>
+          <p:txBody>
+            <a:bodyPr rtlCol="0" anchor="ctr"/>
+            <a:lstStyle/>
+            <a:p>
+              <a:pPr algn="ctr"/>
+              <a:endParaRPr lang="en-US"/>
+            </a:p>
+          </p:txBody>
+        </p:sp>
+      </p:grpSp>
+      <p:sp>
+        <p:nvSpPr>
+          <p:cNvPr id="2" name="Titel 1">
+            <a:extLst>
+              <a:ext uri="{FF2B5EF4-FFF2-40B4-BE49-F238E27FC236}">
+                <a16:creationId xmlns:a16="http://schemas.microsoft.com/office/drawing/2014/main" id="{A070115B-D5C6-F466-CB31-577A61F9E80F}"/>
+              </a:ext>
+            </a:extLst>
+          </p:cNvPr>
+          <p:cNvSpPr>
+            <a:spLocks noGrp="1"/>
+          </p:cNvSpPr>
+          <p:nvPr>
+            <p:ph type="title"/>
+          </p:nvPr>
+        </p:nvSpPr>
+        <p:spPr>
+          <a:xfrm>
+            <a:off x="810001" y="4817533"/>
+            <a:ext cx="10572000" cy="779529"/>
+          </a:xfrm>
+        </p:spPr>
+        <p:txBody>
+          <a:bodyPr vert="horz" lIns="91440" tIns="45720" rIns="91440" bIns="45720" rtlCol="0" anchor="b">
+            <a:normAutofit/>
+          </a:bodyPr>
+          <a:lstStyle/>
+          <a:p>
+            <a:r>
+              <a:rPr lang="en-US"/>
+              <a:t>Auswertung</a:t>
+            </a:r>
+          </a:p>
+        </p:txBody>
+      </p:sp>
+      <p:pic>
+        <p:nvPicPr>
+          <p:cNvPr id="10" name="Picture 9">
+            <a:extLst>
+              <a:ext uri="{FF2B5EF4-FFF2-40B4-BE49-F238E27FC236}">
+                <a16:creationId xmlns:a16="http://schemas.microsoft.com/office/drawing/2014/main" id="{CF1BB4BE-55F3-4A81-0929-15D2BE808F69}"/>
+              </a:ext>
+            </a:extLst>
+          </p:cNvPr>
+          <p:cNvPicPr>
+            <a:picLocks noChangeAspect="1"/>
+          </p:cNvPicPr>
+          <p:nvPr/>
+        </p:nvPicPr>
+        <p:blipFill>
+          <a:blip r:embed="rId2"/>
+          <a:stretch>
+            <a:fillRect/>
+          </a:stretch>
+        </p:blipFill>
+        <p:spPr>
+          <a:xfrm>
+            <a:off x="793124" y="1562721"/>
+            <a:ext cx="5044213" cy="1752864"/>
+          </a:xfrm>
+          <a:prstGeom prst="rect">
+            <a:avLst/>
+          </a:prstGeom>
+        </p:spPr>
+      </p:pic>
+      <p:pic>
+        <p:nvPicPr>
+          <p:cNvPr id="61" name="Content Placeholder 60">
+            <a:extLst>
+              <a:ext uri="{FF2B5EF4-FFF2-40B4-BE49-F238E27FC236}">
+                <a16:creationId xmlns:a16="http://schemas.microsoft.com/office/drawing/2014/main" id="{1FB8A02E-F070-C3CE-4209-43D6367EF59C}"/>
+              </a:ext>
+            </a:extLst>
+          </p:cNvPr>
+          <p:cNvPicPr>
+            <a:picLocks noGrp="1" noChangeAspect="1"/>
+          </p:cNvPicPr>
+          <p:nvPr>
+            <p:ph idx="1"/>
+          </p:nvPr>
+        </p:nvPicPr>
+        <p:blipFill>
+          <a:blip r:embed="rId3"/>
+          <a:stretch>
+            <a:fillRect/>
+          </a:stretch>
+        </p:blipFill>
+        <p:spPr>
+          <a:xfrm>
+            <a:off x="6341627" y="1579319"/>
+            <a:ext cx="5044213" cy="1727642"/>
+          </a:xfrm>
+          <a:prstGeom prst="rect">
+            <a:avLst/>
+          </a:prstGeom>
+        </p:spPr>
+      </p:pic>
+    </p:spTree>
+    <p:extLst>
+      <p:ext uri="{BB962C8B-B14F-4D97-AF65-F5344CB8AC3E}">
+        <p14:creationId xmlns:p14="http://schemas.microsoft.com/office/powerpoint/2010/main" val="1106106631"/>
+      </p:ext>
+    </p:extLst>
+  </p:cSld>
+  <p:clrMapOvr>
+    <a:masterClrMapping/>
+  </p:clrMapOvr>
+</p:sld>
+</file>
+
+<file path=ppt/slides/slide12.xml><?xml version="1.0" encoding="utf-8"?>
+<p:sld xmlns:a="http://schemas.openxmlformats.org/drawingml/2006/main" xmlns:r="http://schemas.openxmlformats.org/officeDocument/2006/relationships" xmlns:p="http://schemas.openxmlformats.org/presentationml/2006/main">
+  <p:cSld>
+    <p:bg>
+      <p:bgPr>
+        <a:solidFill>
+          <a:schemeClr val="bg2"/>
+        </a:solidFill>
+        <a:effectLst/>
+      </p:bgPr>
+    </p:bg>
+    <p:spTree>
+      <p:nvGrpSpPr>
+        <p:cNvPr id="1" name=""/>
+        <p:cNvGrpSpPr/>
+        <p:nvPr/>
+      </p:nvGrpSpPr>
+      <p:grpSpPr>
+        <a:xfrm>
+          <a:off x="0" y="0"/>
+          <a:ext cx="0" cy="0"/>
+          <a:chOff x="0" y="0"/>
+          <a:chExt cx="0" cy="0"/>
+        </a:xfrm>
+      </p:grpSpPr>
+      <p:sp>
+        <p:nvSpPr>
+          <p:cNvPr id="42" name="Freeform 6">
+            <a:extLst>
+              <a:ext uri="{FF2B5EF4-FFF2-40B4-BE49-F238E27FC236}">
+                <a16:creationId xmlns:a16="http://schemas.microsoft.com/office/drawing/2014/main" id="{133F8CB7-795C-4272-9073-64D8CF97F220}"/>
+              </a:ext>
+              <a:ext uri="{C183D7F6-B498-43B3-948B-1728B52AA6E4}">
+                <adec:decorative xmlns:adec="http://schemas.microsoft.com/office/drawing/2017/decorative" val="1"/>
+              </a:ext>
+            </a:extLst>
+          </p:cNvPr>
+          <p:cNvSpPr>
+            <a:spLocks noGrp="1" noRot="1" noChangeAspect="1" noMove="1" noResize="1" noEditPoints="1" noAdjustHandles="1" noChangeArrowheads="1" noChangeShapeType="1" noTextEdit="1"/>
+          </p:cNvSpPr>
+          <p:nvPr>
+            <p:extLst>
+              <p:ext uri="{386F3935-93C4-4BCD-93E2-E3B085C9AB24}">
+                <p16:designElem xmlns:p16="http://schemas.microsoft.com/office/powerpoint/2015/main" val="1"/>
+              </p:ext>
+            </p:extLst>
+          </p:nvPr>
+        </p:nvSpPr>
+        <p:spPr bwMode="auto">
+          <a:xfrm>
+            <a:off x="0" y="-3175"/>
+            <a:ext cx="12192000" cy="5203825"/>
+          </a:xfrm>
+          <a:custGeom>
+            <a:avLst/>
+            <a:gdLst/>
+            <a:ahLst/>
+            <a:cxnLst/>
+            <a:rect l="0" t="0" r="r" b="b"/>
+            <a:pathLst>
+              <a:path w="5760" h="3278">
+                <a:moveTo>
+                  <a:pt x="5760" y="0"/>
+                </a:moveTo>
+                <a:lnTo>
+                  <a:pt x="0" y="0"/>
+                </a:lnTo>
+                <a:lnTo>
+                  <a:pt x="0" y="3090"/>
+                </a:lnTo>
+                <a:lnTo>
+                  <a:pt x="943" y="3090"/>
+                </a:lnTo>
+                <a:lnTo>
+                  <a:pt x="1123" y="3270"/>
+                </a:lnTo>
+                <a:lnTo>
+                  <a:pt x="1123" y="3270"/>
+                </a:lnTo>
+                <a:lnTo>
+                  <a:pt x="1127" y="3272"/>
+                </a:lnTo>
+                <a:lnTo>
+                  <a:pt x="1133" y="3275"/>
+                </a:lnTo>
+                <a:lnTo>
+                  <a:pt x="1139" y="3278"/>
+                </a:lnTo>
+                <a:lnTo>
+                  <a:pt x="1144" y="3278"/>
+                </a:lnTo>
+                <a:lnTo>
+                  <a:pt x="1150" y="3278"/>
+                </a:lnTo>
+                <a:lnTo>
+                  <a:pt x="1155" y="3275"/>
+                </a:lnTo>
+                <a:lnTo>
+                  <a:pt x="1161" y="3272"/>
+                </a:lnTo>
+                <a:lnTo>
+                  <a:pt x="1165" y="3270"/>
+                </a:lnTo>
+                <a:lnTo>
+                  <a:pt x="1345" y="3090"/>
+                </a:lnTo>
+                <a:lnTo>
+                  <a:pt x="5760" y="3090"/>
+                </a:lnTo>
+                <a:lnTo>
+                  <a:pt x="5760" y="0"/>
+                </a:lnTo>
+                <a:close/>
+              </a:path>
+            </a:pathLst>
+          </a:custGeom>
+          <a:ln/>
+          <a:effectLst/>
+          <a:extLst>
+            <a:ext uri="{91240B29-F687-4f45-9708-019B960494DF}">
+              <a14:hiddenLine xmlns:a14="http://schemas.microsoft.com/office/drawing/2010/main" xmlns:p14="http://schemas.microsoft.com/office/powerpoint/2010/main" xmlns:a16="http://schemas.microsoft.com/office/drawing/2014/main" xmlns="" w="9525">
+                <a:solidFill>
+                  <a:srgbClr val="000000"/>
+                </a:solidFill>
+                <a:round/>
+                <a:headEnd/>
+                <a:tailEnd/>
+              </a14:hiddenLine>
+            </a:ext>
+          </a:extLst>
+        </p:spPr>
+        <p:style>
+          <a:lnRef idx="1">
+            <a:schemeClr val="accent1"/>
+          </a:lnRef>
+          <a:fillRef idx="3">
+            <a:schemeClr val="accent1"/>
+          </a:fillRef>
+          <a:effectRef idx="2">
+            <a:schemeClr val="accent1"/>
+          </a:effectRef>
+          <a:fontRef idx="minor">
+            <a:schemeClr val="lt1"/>
+          </a:fontRef>
+        </p:style>
+      </p:sp>
+      <p:sp>
+        <p:nvSpPr>
+          <p:cNvPr id="44" name="Freeform 9">
+            <a:extLst>
+              <a:ext uri="{FF2B5EF4-FFF2-40B4-BE49-F238E27FC236}">
+                <a16:creationId xmlns:a16="http://schemas.microsoft.com/office/drawing/2014/main" id="{7AF0B711-0578-47A6-AB9A-AF422D2535BF}"/>
+              </a:ext>
+              <a:ext uri="{C183D7F6-B498-43B3-948B-1728B52AA6E4}">
+                <adec:decorative xmlns:adec="http://schemas.microsoft.com/office/drawing/2017/decorative" val="1"/>
+              </a:ext>
+            </a:extLst>
+          </p:cNvPr>
+          <p:cNvSpPr>
+            <a:spLocks noGrp="1" noRot="1" noChangeAspect="1" noMove="1" noResize="1" noEditPoints="1" noAdjustHandles="1" noChangeArrowheads="1" noChangeShapeType="1" noTextEdit="1"/>
+          </p:cNvSpPr>
+          <p:nvPr>
+            <p:extLst>
+              <p:ext uri="{386F3935-93C4-4BCD-93E2-E3B085C9AB24}">
+                <p16:designElem xmlns:p16="http://schemas.microsoft.com/office/powerpoint/2015/main" val="1"/>
+              </p:ext>
+            </p:extLst>
+          </p:nvPr>
+        </p:nvSpPr>
+        <p:spPr bwMode="white">
+          <a:xfrm>
+            <a:off x="0" y="4525094"/>
+            <a:ext cx="12192000" cy="2332906"/>
+          </a:xfrm>
+          <a:custGeom>
+            <a:avLst/>
+            <a:gdLst>
+              <a:gd name="connsiteX0" fmla="*/ 0 w 12192000"/>
+              <a:gd name="connsiteY0" fmla="*/ 0 h 2332906"/>
+              <a:gd name="connsiteX1" fmla="*/ 1996017 w 12192000"/>
+              <a:gd name="connsiteY1" fmla="*/ 0 h 2332906"/>
+              <a:gd name="connsiteX2" fmla="*/ 2377017 w 12192000"/>
+              <a:gd name="connsiteY2" fmla="*/ 263783 h 2332906"/>
+              <a:gd name="connsiteX3" fmla="*/ 2385484 w 12192000"/>
+              <a:gd name="connsiteY3" fmla="*/ 266713 h 2332906"/>
+              <a:gd name="connsiteX4" fmla="*/ 2398184 w 12192000"/>
+              <a:gd name="connsiteY4" fmla="*/ 271110 h 2332906"/>
+              <a:gd name="connsiteX5" fmla="*/ 2410883 w 12192000"/>
+              <a:gd name="connsiteY5" fmla="*/ 275506 h 2332906"/>
+              <a:gd name="connsiteX6" fmla="*/ 2421467 w 12192000"/>
+              <a:gd name="connsiteY6" fmla="*/ 275506 h 2332906"/>
+              <a:gd name="connsiteX7" fmla="*/ 2434167 w 12192000"/>
+              <a:gd name="connsiteY7" fmla="*/ 275506 h 2332906"/>
+              <a:gd name="connsiteX8" fmla="*/ 2444750 w 12192000"/>
+              <a:gd name="connsiteY8" fmla="*/ 271110 h 2332906"/>
+              <a:gd name="connsiteX9" fmla="*/ 2457450 w 12192000"/>
+              <a:gd name="connsiteY9" fmla="*/ 266713 h 2332906"/>
+              <a:gd name="connsiteX10" fmla="*/ 2465917 w 12192000"/>
+              <a:gd name="connsiteY10" fmla="*/ 263783 h 2332906"/>
+              <a:gd name="connsiteX11" fmla="*/ 2846917 w 12192000"/>
+              <a:gd name="connsiteY11" fmla="*/ 0 h 2332906"/>
+              <a:gd name="connsiteX12" fmla="*/ 12192000 w 12192000"/>
+              <a:gd name="connsiteY12" fmla="*/ 0 h 2332906"/>
+              <a:gd name="connsiteX13" fmla="*/ 12192000 w 12192000"/>
+              <a:gd name="connsiteY13" fmla="*/ 2332906 h 2332906"/>
+              <a:gd name="connsiteX14" fmla="*/ 0 w 12192000"/>
+              <a:gd name="connsiteY14" fmla="*/ 2332906 h 2332906"/>
+            </a:gdLst>
+            <a:ahLst/>
+            <a:cxnLst>
+              <a:cxn ang="0">
+                <a:pos x="connsiteX0" y="connsiteY0"/>
+              </a:cxn>
+              <a:cxn ang="0">
+                <a:pos x="connsiteX1" y="connsiteY1"/>
+              </a:cxn>
+              <a:cxn ang="0">
+                <a:pos x="connsiteX2" y="connsiteY2"/>
+              </a:cxn>
+              <a:cxn ang="0">
+                <a:pos x="connsiteX3" y="connsiteY3"/>
+              </a:cxn>
+              <a:cxn ang="0">
+                <a:pos x="connsiteX4" y="connsiteY4"/>
+              </a:cxn>
+              <a:cxn ang="0">
+                <a:pos x="connsiteX5" y="connsiteY5"/>
+              </a:cxn>
+              <a:cxn ang="0">
+                <a:pos x="connsiteX6" y="connsiteY6"/>
+              </a:cxn>
+              <a:cxn ang="0">
+                <a:pos x="connsiteX7" y="connsiteY7"/>
+              </a:cxn>
+              <a:cxn ang="0">
+                <a:pos x="connsiteX8" y="connsiteY8"/>
+              </a:cxn>
+              <a:cxn ang="0">
+                <a:pos x="connsiteX9" y="connsiteY9"/>
+              </a:cxn>
+              <a:cxn ang="0">
+                <a:pos x="connsiteX10" y="connsiteY10"/>
+              </a:cxn>
+              <a:cxn ang="0">
+                <a:pos x="connsiteX11" y="connsiteY11"/>
+              </a:cxn>
+              <a:cxn ang="0">
+                <a:pos x="connsiteX12" y="connsiteY12"/>
+              </a:cxn>
+              <a:cxn ang="0">
+                <a:pos x="connsiteX13" y="connsiteY13"/>
+              </a:cxn>
+              <a:cxn ang="0">
+                <a:pos x="connsiteX14" y="connsiteY14"/>
+              </a:cxn>
+            </a:cxnLst>
+            <a:rect l="l" t="t" r="r" b="b"/>
+            <a:pathLst>
+              <a:path w="12192000" h="2332906">
+                <a:moveTo>
+                  <a:pt x="0" y="0"/>
+                </a:moveTo>
+                <a:lnTo>
+                  <a:pt x="1996017" y="0"/>
+                </a:lnTo>
+                <a:lnTo>
+                  <a:pt x="2377017" y="263783"/>
+                </a:lnTo>
+                <a:lnTo>
+                  <a:pt x="2385484" y="266713"/>
+                </a:lnTo>
+                <a:lnTo>
+                  <a:pt x="2398184" y="271110"/>
+                </a:lnTo>
+                <a:lnTo>
+                  <a:pt x="2410883" y="275506"/>
+                </a:lnTo>
+                <a:lnTo>
+                  <a:pt x="2421467" y="275506"/>
+                </a:lnTo>
+                <a:lnTo>
+                  <a:pt x="2434167" y="275506"/>
+                </a:lnTo>
+                <a:lnTo>
+                  <a:pt x="2444750" y="271110"/>
+                </a:lnTo>
+                <a:lnTo>
+                  <a:pt x="2457450" y="266713"/>
+                </a:lnTo>
+                <a:lnTo>
+                  <a:pt x="2465917" y="263783"/>
+                </a:lnTo>
+                <a:lnTo>
+                  <a:pt x="2846917" y="0"/>
+                </a:lnTo>
+                <a:lnTo>
+                  <a:pt x="12192000" y="0"/>
+                </a:lnTo>
+                <a:lnTo>
+                  <a:pt x="12192000" y="2332906"/>
+                </a:lnTo>
+                <a:lnTo>
+                  <a:pt x="0" y="2332906"/>
+                </a:lnTo>
+                <a:close/>
+              </a:path>
+            </a:pathLst>
+          </a:custGeom>
+          <a:solidFill>
+            <a:srgbClr val="212121"/>
+          </a:solidFill>
+          <a:ln>
+            <a:solidFill>
+              <a:schemeClr val="accent1"/>
+            </a:solidFill>
+          </a:ln>
+        </p:spPr>
+        <p:style>
+          <a:lnRef idx="2">
+            <a:schemeClr val="accent1">
+              <a:shade val="50000"/>
+            </a:schemeClr>
+          </a:lnRef>
+          <a:fillRef idx="1">
+            <a:schemeClr val="accent1"/>
+          </a:fillRef>
+          <a:effectRef idx="0">
+            <a:schemeClr val="accent1"/>
+          </a:effectRef>
+          <a:fontRef idx="minor">
+            <a:schemeClr val="lt1"/>
+          </a:fontRef>
+        </p:style>
+        <p:txBody>
+          <a:bodyPr rtlCol="0" anchor="ctr"/>
+          <a:lstStyle/>
+          <a:p>
+            <a:pPr algn="ctr"/>
+            <a:endParaRPr lang="en-US"/>
+          </a:p>
+        </p:txBody>
+      </p:sp>
+      <p:sp>
+        <p:nvSpPr>
+          <p:cNvPr id="37" name="Title 1">
+            <a:extLst>
+              <a:ext uri="{FF2B5EF4-FFF2-40B4-BE49-F238E27FC236}">
+                <a16:creationId xmlns:a16="http://schemas.microsoft.com/office/drawing/2014/main" id="{9FD17F22-1E14-A188-CC8E-254B60B24475}"/>
+              </a:ext>
+            </a:extLst>
+          </p:cNvPr>
+          <p:cNvSpPr>
+            <a:spLocks noGrp="1"/>
+          </p:cNvSpPr>
+          <p:nvPr>
+            <p:ph type="title"/>
+          </p:nvPr>
+        </p:nvSpPr>
+        <p:spPr>
+          <a:xfrm>
+            <a:off x="810001" y="4817533"/>
+            <a:ext cx="10572000" cy="779529"/>
+          </a:xfrm>
+        </p:spPr>
+        <p:txBody>
+          <a:bodyPr vert="horz" lIns="91440" tIns="45720" rIns="91440" bIns="45720" rtlCol="0" anchor="b">
+            <a:normAutofit/>
+          </a:bodyPr>
+          <a:lstStyle/>
+          <a:p>
+            <a:r>
+              <a:rPr lang="en-US">
+                <a:solidFill>
+                  <a:srgbClr val="FFFFFF"/>
+                </a:solidFill>
+              </a:rPr>
+              <a:t>Auswertung</a:t>
+            </a:r>
+          </a:p>
+        </p:txBody>
+      </p:sp>
+      <p:pic>
+        <p:nvPicPr>
+          <p:cNvPr id="5" name="Content Placeholder 4" descr="A comparison of blue bars with black text">
+            <a:extLst>
+              <a:ext uri="{FF2B5EF4-FFF2-40B4-BE49-F238E27FC236}">
+                <a16:creationId xmlns:a16="http://schemas.microsoft.com/office/drawing/2014/main" id="{8603AB33-B69D-77B9-27F1-07CF2ACE4612}"/>
+              </a:ext>
+            </a:extLst>
+          </p:cNvPr>
+          <p:cNvPicPr>
+            <a:picLocks noGrp="1" noChangeAspect="1"/>
+          </p:cNvPicPr>
+          <p:nvPr>
+            <p:ph idx="1"/>
+          </p:nvPr>
+        </p:nvPicPr>
+        <p:blipFill>
+          <a:blip r:embed="rId2"/>
+          <a:stretch>
+            <a:fillRect/>
+          </a:stretch>
+        </p:blipFill>
+        <p:spPr>
+          <a:xfrm>
+            <a:off x="635457" y="640080"/>
+            <a:ext cx="10752964" cy="3602736"/>
+          </a:xfrm>
+          <a:prstGeom prst="roundRect">
+            <a:avLst>
+              <a:gd name="adj" fmla="val 3876"/>
+            </a:avLst>
+          </a:prstGeom>
+          <a:ln>
+            <a:solidFill>
+              <a:schemeClr val="accent1"/>
+            </a:solidFill>
+          </a:ln>
+          <a:effectLst/>
+        </p:spPr>
+      </p:pic>
+    </p:spTree>
+    <p:extLst>
+      <p:ext uri="{BB962C8B-B14F-4D97-AF65-F5344CB8AC3E}">
+        <p14:creationId xmlns:p14="http://schemas.microsoft.com/office/powerpoint/2010/main" val="1008985107"/>
+      </p:ext>
+    </p:extLst>
+  </p:cSld>
+  <p:clrMapOvr>
+    <a:masterClrMapping/>
+  </p:clrMapOvr>
+</p:sld>
+</file>
+
+<file path=ppt/slides/slide13.xml><?xml version="1.0" encoding="utf-8"?>
+<p:sld xmlns:a="http://schemas.openxmlformats.org/drawingml/2006/main" xmlns:r="http://schemas.openxmlformats.org/officeDocument/2006/relationships" xmlns:p="http://schemas.openxmlformats.org/presentationml/2006/main">
+  <p:cSld>
+    <p:bg>
+      <p:bgPr>
+        <a:solidFill>
+          <a:schemeClr val="bg2"/>
+        </a:solidFill>
+        <a:effectLst/>
+      </p:bgPr>
+    </p:bg>
+    <p:spTree>
+      <p:nvGrpSpPr>
+        <p:cNvPr id="1" name=""/>
+        <p:cNvGrpSpPr/>
+        <p:nvPr/>
+      </p:nvGrpSpPr>
+      <p:grpSpPr>
+        <a:xfrm>
+          <a:off x="0" y="0"/>
+          <a:ext cx="0" cy="0"/>
+          <a:chOff x="0" y="0"/>
+          <a:chExt cx="0" cy="0"/>
+        </a:xfrm>
+      </p:grpSpPr>
+      <p:sp>
+        <p:nvSpPr>
           <p:cNvPr id="19" name="Rectangle 18">
             <a:extLst>
               <a:ext uri="{FF2B5EF4-FFF2-40B4-BE49-F238E27FC236}">
@@ -7022,7 +8641,7 @@
 </p:sld>
 </file>
 
-<file path=ppt/slides/slide11.xml><?xml version="1.0" encoding="utf-8"?>
+<file path=ppt/slides/slide14.xml><?xml version="1.0" encoding="utf-8"?>
 <p:sld xmlns:a="http://schemas.openxmlformats.org/drawingml/2006/main" xmlns:r="http://schemas.openxmlformats.org/officeDocument/2006/relationships" xmlns:p="http://schemas.openxmlformats.org/presentationml/2006/main">
   <p:cSld>
     <p:bg>
@@ -7780,7 +9399,7 @@
 </p:sld>
 </file>
 
-<file path=ppt/slides/slide12.xml><?xml version="1.0" encoding="utf-8"?>
+<file path=ppt/slides/slide15.xml><?xml version="1.0" encoding="utf-8"?>
 <p:sld xmlns:a="http://schemas.openxmlformats.org/drawingml/2006/main" xmlns:r="http://schemas.openxmlformats.org/officeDocument/2006/relationships" xmlns:p="http://schemas.openxmlformats.org/presentationml/2006/main">
   <p:cSld>
     <p:bg>
@@ -8592,7 +10211,7 @@
 </p:sld>
 </file>
 
-<file path=ppt/slides/slide13.xml><?xml version="1.0" encoding="utf-8"?>
+<file path=ppt/slides/slide16.xml><?xml version="1.0" encoding="utf-8"?>
 <p:sld xmlns:a="http://schemas.openxmlformats.org/drawingml/2006/main" xmlns:r="http://schemas.openxmlformats.org/officeDocument/2006/relationships" xmlns:p="http://schemas.openxmlformats.org/presentationml/2006/main">
   <p:cSld>
     <p:bg>
@@ -9410,7 +11029,7 @@
 </p:sld>
 </file>
 
-<file path=ppt/slides/slide14.xml><?xml version="1.0" encoding="utf-8"?>
+<file path=ppt/slides/slide17.xml><?xml version="1.0" encoding="utf-8"?>
 <p:sld xmlns:a="http://schemas.openxmlformats.org/drawingml/2006/main" xmlns:r="http://schemas.openxmlformats.org/officeDocument/2006/relationships" xmlns:p="http://schemas.openxmlformats.org/presentationml/2006/main">
   <p:cSld>
     <p:bg>
@@ -10042,7 +11661,7 @@
 </p:sld>
 </file>
 
-<file path=ppt/slides/slide15.xml><?xml version="1.0" encoding="utf-8"?>
+<file path=ppt/slides/slide18.xml><?xml version="1.0" encoding="utf-8"?>
 <p:sld xmlns:a="http://schemas.openxmlformats.org/drawingml/2006/main" xmlns:r="http://schemas.openxmlformats.org/officeDocument/2006/relationships" xmlns:p="http://schemas.openxmlformats.org/presentationml/2006/main">
   <p:cSld>
     <p:bg>
@@ -11854,6 +13473,817 @@
           <a:chExt cx="0" cy="0"/>
         </a:xfrm>
       </p:grpSpPr>
+      <p:sp>
+        <p:nvSpPr>
+          <p:cNvPr id="17" name="Freeform 6">
+            <a:extLst>
+              <a:ext uri="{FF2B5EF4-FFF2-40B4-BE49-F238E27FC236}">
+                <a16:creationId xmlns:a16="http://schemas.microsoft.com/office/drawing/2014/main" id="{133F8CB7-795C-4272-9073-64D8CF97F220}"/>
+              </a:ext>
+              <a:ext uri="{C183D7F6-B498-43B3-948B-1728B52AA6E4}">
+                <adec:decorative xmlns:adec="http://schemas.microsoft.com/office/drawing/2017/decorative" val="1"/>
+              </a:ext>
+            </a:extLst>
+          </p:cNvPr>
+          <p:cNvSpPr>
+            <a:spLocks noGrp="1" noRot="1" noChangeAspect="1" noMove="1" noResize="1" noEditPoints="1" noAdjustHandles="1" noChangeArrowheads="1" noChangeShapeType="1" noTextEdit="1"/>
+          </p:cNvSpPr>
+          <p:nvPr>
+            <p:extLst>
+              <p:ext uri="{386F3935-93C4-4BCD-93E2-E3B085C9AB24}">
+                <p16:designElem xmlns:p16="http://schemas.microsoft.com/office/powerpoint/2015/main" val="1"/>
+              </p:ext>
+            </p:extLst>
+          </p:nvPr>
+        </p:nvSpPr>
+        <p:spPr bwMode="auto">
+          <a:xfrm>
+            <a:off x="0" y="-3175"/>
+            <a:ext cx="12192000" cy="5203825"/>
+          </a:xfrm>
+          <a:custGeom>
+            <a:avLst/>
+            <a:gdLst/>
+            <a:ahLst/>
+            <a:cxnLst/>
+            <a:rect l="0" t="0" r="r" b="b"/>
+            <a:pathLst>
+              <a:path w="5760" h="3278">
+                <a:moveTo>
+                  <a:pt x="5760" y="0"/>
+                </a:moveTo>
+                <a:lnTo>
+                  <a:pt x="0" y="0"/>
+                </a:lnTo>
+                <a:lnTo>
+                  <a:pt x="0" y="3090"/>
+                </a:lnTo>
+                <a:lnTo>
+                  <a:pt x="943" y="3090"/>
+                </a:lnTo>
+                <a:lnTo>
+                  <a:pt x="1123" y="3270"/>
+                </a:lnTo>
+                <a:lnTo>
+                  <a:pt x="1123" y="3270"/>
+                </a:lnTo>
+                <a:lnTo>
+                  <a:pt x="1127" y="3272"/>
+                </a:lnTo>
+                <a:lnTo>
+                  <a:pt x="1133" y="3275"/>
+                </a:lnTo>
+                <a:lnTo>
+                  <a:pt x="1139" y="3278"/>
+                </a:lnTo>
+                <a:lnTo>
+                  <a:pt x="1144" y="3278"/>
+                </a:lnTo>
+                <a:lnTo>
+                  <a:pt x="1150" y="3278"/>
+                </a:lnTo>
+                <a:lnTo>
+                  <a:pt x="1155" y="3275"/>
+                </a:lnTo>
+                <a:lnTo>
+                  <a:pt x="1161" y="3272"/>
+                </a:lnTo>
+                <a:lnTo>
+                  <a:pt x="1165" y="3270"/>
+                </a:lnTo>
+                <a:lnTo>
+                  <a:pt x="1345" y="3090"/>
+                </a:lnTo>
+                <a:lnTo>
+                  <a:pt x="5760" y="3090"/>
+                </a:lnTo>
+                <a:lnTo>
+                  <a:pt x="5760" y="0"/>
+                </a:lnTo>
+                <a:close/>
+              </a:path>
+            </a:pathLst>
+          </a:custGeom>
+          <a:ln/>
+          <a:effectLst/>
+          <a:extLst>
+            <a:ext uri="{91240B29-F687-4f45-9708-019B960494DF}">
+              <a14:hiddenLine xmlns="" xmlns:a16="http://schemas.microsoft.com/office/drawing/2014/main" xmlns:p14="http://schemas.microsoft.com/office/powerpoint/2010/main" xmlns:a14="http://schemas.microsoft.com/office/drawing/2010/main" w="9525">
+                <a:solidFill>
+                  <a:srgbClr val="000000"/>
+                </a:solidFill>
+                <a:round/>
+                <a:headEnd/>
+                <a:tailEnd/>
+              </a14:hiddenLine>
+            </a:ext>
+          </a:extLst>
+        </p:spPr>
+        <p:style>
+          <a:lnRef idx="1">
+            <a:schemeClr val="accent1"/>
+          </a:lnRef>
+          <a:fillRef idx="3">
+            <a:schemeClr val="accent1"/>
+          </a:fillRef>
+          <a:effectRef idx="2">
+            <a:schemeClr val="accent1"/>
+          </a:effectRef>
+          <a:fontRef idx="minor">
+            <a:schemeClr val="lt1"/>
+          </a:fontRef>
+        </p:style>
+      </p:sp>
+      <p:sp>
+        <p:nvSpPr>
+          <p:cNvPr id="19" name="Freeform 9">
+            <a:extLst>
+              <a:ext uri="{FF2B5EF4-FFF2-40B4-BE49-F238E27FC236}">
+                <a16:creationId xmlns:a16="http://schemas.microsoft.com/office/drawing/2014/main" id="{7AF0B711-0578-47A6-AB9A-AF422D2535BF}"/>
+              </a:ext>
+              <a:ext uri="{C183D7F6-B498-43B3-948B-1728B52AA6E4}">
+                <adec:decorative xmlns:adec="http://schemas.microsoft.com/office/drawing/2017/decorative" val="1"/>
+              </a:ext>
+            </a:extLst>
+          </p:cNvPr>
+          <p:cNvSpPr>
+            <a:spLocks noGrp="1" noRot="1" noChangeAspect="1" noMove="1" noResize="1" noEditPoints="1" noAdjustHandles="1" noChangeArrowheads="1" noChangeShapeType="1" noTextEdit="1"/>
+          </p:cNvSpPr>
+          <p:nvPr>
+            <p:extLst>
+              <p:ext uri="{386F3935-93C4-4BCD-93E2-E3B085C9AB24}">
+                <p16:designElem xmlns:p16="http://schemas.microsoft.com/office/powerpoint/2015/main" val="1"/>
+              </p:ext>
+            </p:extLst>
+          </p:nvPr>
+        </p:nvSpPr>
+        <p:spPr bwMode="white">
+          <a:xfrm>
+            <a:off x="0" y="4525094"/>
+            <a:ext cx="12192000" cy="2332906"/>
+          </a:xfrm>
+          <a:custGeom>
+            <a:avLst/>
+            <a:gdLst>
+              <a:gd name="connsiteX0" fmla="*/ 0 w 12192000"/>
+              <a:gd name="connsiteY0" fmla="*/ 0 h 2332906"/>
+              <a:gd name="connsiteX1" fmla="*/ 1996017 w 12192000"/>
+              <a:gd name="connsiteY1" fmla="*/ 0 h 2332906"/>
+              <a:gd name="connsiteX2" fmla="*/ 2377017 w 12192000"/>
+              <a:gd name="connsiteY2" fmla="*/ 263783 h 2332906"/>
+              <a:gd name="connsiteX3" fmla="*/ 2385484 w 12192000"/>
+              <a:gd name="connsiteY3" fmla="*/ 266713 h 2332906"/>
+              <a:gd name="connsiteX4" fmla="*/ 2398184 w 12192000"/>
+              <a:gd name="connsiteY4" fmla="*/ 271110 h 2332906"/>
+              <a:gd name="connsiteX5" fmla="*/ 2410883 w 12192000"/>
+              <a:gd name="connsiteY5" fmla="*/ 275506 h 2332906"/>
+              <a:gd name="connsiteX6" fmla="*/ 2421467 w 12192000"/>
+              <a:gd name="connsiteY6" fmla="*/ 275506 h 2332906"/>
+              <a:gd name="connsiteX7" fmla="*/ 2434167 w 12192000"/>
+              <a:gd name="connsiteY7" fmla="*/ 275506 h 2332906"/>
+              <a:gd name="connsiteX8" fmla="*/ 2444750 w 12192000"/>
+              <a:gd name="connsiteY8" fmla="*/ 271110 h 2332906"/>
+              <a:gd name="connsiteX9" fmla="*/ 2457450 w 12192000"/>
+              <a:gd name="connsiteY9" fmla="*/ 266713 h 2332906"/>
+              <a:gd name="connsiteX10" fmla="*/ 2465917 w 12192000"/>
+              <a:gd name="connsiteY10" fmla="*/ 263783 h 2332906"/>
+              <a:gd name="connsiteX11" fmla="*/ 2846917 w 12192000"/>
+              <a:gd name="connsiteY11" fmla="*/ 0 h 2332906"/>
+              <a:gd name="connsiteX12" fmla="*/ 12192000 w 12192000"/>
+              <a:gd name="connsiteY12" fmla="*/ 0 h 2332906"/>
+              <a:gd name="connsiteX13" fmla="*/ 12192000 w 12192000"/>
+              <a:gd name="connsiteY13" fmla="*/ 2332906 h 2332906"/>
+              <a:gd name="connsiteX14" fmla="*/ 0 w 12192000"/>
+              <a:gd name="connsiteY14" fmla="*/ 2332906 h 2332906"/>
+            </a:gdLst>
+            <a:ahLst/>
+            <a:cxnLst>
+              <a:cxn ang="0">
+                <a:pos x="connsiteX0" y="connsiteY0"/>
+              </a:cxn>
+              <a:cxn ang="0">
+                <a:pos x="connsiteX1" y="connsiteY1"/>
+              </a:cxn>
+              <a:cxn ang="0">
+                <a:pos x="connsiteX2" y="connsiteY2"/>
+              </a:cxn>
+              <a:cxn ang="0">
+                <a:pos x="connsiteX3" y="connsiteY3"/>
+              </a:cxn>
+              <a:cxn ang="0">
+                <a:pos x="connsiteX4" y="connsiteY4"/>
+              </a:cxn>
+              <a:cxn ang="0">
+                <a:pos x="connsiteX5" y="connsiteY5"/>
+              </a:cxn>
+              <a:cxn ang="0">
+                <a:pos x="connsiteX6" y="connsiteY6"/>
+              </a:cxn>
+              <a:cxn ang="0">
+                <a:pos x="connsiteX7" y="connsiteY7"/>
+              </a:cxn>
+              <a:cxn ang="0">
+                <a:pos x="connsiteX8" y="connsiteY8"/>
+              </a:cxn>
+              <a:cxn ang="0">
+                <a:pos x="connsiteX9" y="connsiteY9"/>
+              </a:cxn>
+              <a:cxn ang="0">
+                <a:pos x="connsiteX10" y="connsiteY10"/>
+              </a:cxn>
+              <a:cxn ang="0">
+                <a:pos x="connsiteX11" y="connsiteY11"/>
+              </a:cxn>
+              <a:cxn ang="0">
+                <a:pos x="connsiteX12" y="connsiteY12"/>
+              </a:cxn>
+              <a:cxn ang="0">
+                <a:pos x="connsiteX13" y="connsiteY13"/>
+              </a:cxn>
+              <a:cxn ang="0">
+                <a:pos x="connsiteX14" y="connsiteY14"/>
+              </a:cxn>
+            </a:cxnLst>
+            <a:rect l="l" t="t" r="r" b="b"/>
+            <a:pathLst>
+              <a:path w="12192000" h="2332906">
+                <a:moveTo>
+                  <a:pt x="0" y="0"/>
+                </a:moveTo>
+                <a:lnTo>
+                  <a:pt x="1996017" y="0"/>
+                </a:lnTo>
+                <a:lnTo>
+                  <a:pt x="2377017" y="263783"/>
+                </a:lnTo>
+                <a:lnTo>
+                  <a:pt x="2385484" y="266713"/>
+                </a:lnTo>
+                <a:lnTo>
+                  <a:pt x="2398184" y="271110"/>
+                </a:lnTo>
+                <a:lnTo>
+                  <a:pt x="2410883" y="275506"/>
+                </a:lnTo>
+                <a:lnTo>
+                  <a:pt x="2421467" y="275506"/>
+                </a:lnTo>
+                <a:lnTo>
+                  <a:pt x="2434167" y="275506"/>
+                </a:lnTo>
+                <a:lnTo>
+                  <a:pt x="2444750" y="271110"/>
+                </a:lnTo>
+                <a:lnTo>
+                  <a:pt x="2457450" y="266713"/>
+                </a:lnTo>
+                <a:lnTo>
+                  <a:pt x="2465917" y="263783"/>
+                </a:lnTo>
+                <a:lnTo>
+                  <a:pt x="2846917" y="0"/>
+                </a:lnTo>
+                <a:lnTo>
+                  <a:pt x="12192000" y="0"/>
+                </a:lnTo>
+                <a:lnTo>
+                  <a:pt x="12192000" y="2332906"/>
+                </a:lnTo>
+                <a:lnTo>
+                  <a:pt x="0" y="2332906"/>
+                </a:lnTo>
+                <a:close/>
+              </a:path>
+            </a:pathLst>
+          </a:custGeom>
+          <a:solidFill>
+            <a:srgbClr val="212121"/>
+          </a:solidFill>
+          <a:ln>
+            <a:solidFill>
+              <a:schemeClr val="accent1"/>
+            </a:solidFill>
+          </a:ln>
+        </p:spPr>
+        <p:style>
+          <a:lnRef idx="2">
+            <a:schemeClr val="accent1">
+              <a:shade val="50000"/>
+            </a:schemeClr>
+          </a:lnRef>
+          <a:fillRef idx="1">
+            <a:schemeClr val="accent1"/>
+          </a:fillRef>
+          <a:effectRef idx="0">
+            <a:schemeClr val="accent1"/>
+          </a:effectRef>
+          <a:fontRef idx="minor">
+            <a:schemeClr val="lt1"/>
+          </a:fontRef>
+        </p:style>
+        <p:txBody>
+          <a:bodyPr rtlCol="0" anchor="ctr"/>
+          <a:lstStyle/>
+          <a:p>
+            <a:pPr algn="ctr"/>
+            <a:endParaRPr lang="en-US"/>
+          </a:p>
+        </p:txBody>
+      </p:sp>
+      <p:sp>
+        <p:nvSpPr>
+          <p:cNvPr id="2" name="Titel 1">
+            <a:extLst>
+              <a:ext uri="{FF2B5EF4-FFF2-40B4-BE49-F238E27FC236}">
+                <a16:creationId xmlns:a16="http://schemas.microsoft.com/office/drawing/2014/main" id="{97D1EB32-7633-B04E-C97F-D8D95C995271}"/>
+              </a:ext>
+            </a:extLst>
+          </p:cNvPr>
+          <p:cNvSpPr>
+            <a:spLocks noGrp="1"/>
+          </p:cNvSpPr>
+          <p:nvPr>
+            <p:ph type="title"/>
+          </p:nvPr>
+        </p:nvSpPr>
+        <p:spPr>
+          <a:xfrm>
+            <a:off x="810001" y="4817533"/>
+            <a:ext cx="10572000" cy="779529"/>
+          </a:xfrm>
+        </p:spPr>
+        <p:txBody>
+          <a:bodyPr vert="horz" lIns="91440" tIns="45720" rIns="91440" bIns="45720" rtlCol="0" anchor="b">
+            <a:normAutofit/>
+          </a:bodyPr>
+          <a:lstStyle/>
+          <a:p>
+            <a:r>
+              <a:rPr lang="en-US" dirty="0" err="1">
+                <a:solidFill>
+                  <a:srgbClr val="FFFFFF"/>
+                </a:solidFill>
+              </a:rPr>
+              <a:t>Vorgehensweise</a:t>
+            </a:r>
+            <a:r>
+              <a:rPr lang="en-US" dirty="0">
+                <a:solidFill>
+                  <a:srgbClr val="FFFFFF"/>
+                </a:solidFill>
+              </a:rPr>
+              <a:t> - </a:t>
+            </a:r>
+            <a:r>
+              <a:rPr lang="en-US" dirty="0" err="1">
+                <a:solidFill>
+                  <a:srgbClr val="FFFFFF"/>
+                </a:solidFill>
+              </a:rPr>
+              <a:t>Datensätze</a:t>
+            </a:r>
+            <a:endParaRPr lang="en-US" dirty="0">
+              <a:solidFill>
+                <a:srgbClr val="FFFFFF"/>
+              </a:solidFill>
+            </a:endParaRPr>
+          </a:p>
+        </p:txBody>
+      </p:sp>
+      <p:pic>
+        <p:nvPicPr>
+          <p:cNvPr id="8" name="Inhaltsplatzhalter 7">
+            <a:extLst>
+              <a:ext uri="{FF2B5EF4-FFF2-40B4-BE49-F238E27FC236}">
+                <a16:creationId xmlns:a16="http://schemas.microsoft.com/office/drawing/2014/main" id="{4B81C5FC-D2A0-BB87-D081-B6EB24807A02}"/>
+              </a:ext>
+            </a:extLst>
+          </p:cNvPr>
+          <p:cNvPicPr>
+            <a:picLocks noGrp="1" noChangeAspect="1"/>
+          </p:cNvPicPr>
+          <p:nvPr>
+            <p:ph idx="1"/>
+          </p:nvPr>
+        </p:nvPicPr>
+        <p:blipFill rotWithShape="1">
+          <a:blip r:embed="rId2" cstate="print">
+            <a:extLst>
+              <a:ext uri="{28A0092B-C50C-407E-A947-70E740481C1C}">
+                <a14:useLocalDpi xmlns:a14="http://schemas.microsoft.com/office/drawing/2010/main" val="0"/>
+              </a:ext>
+            </a:extLst>
+          </a:blip>
+          <a:srcRect l="3472" r="2753"/>
+          <a:stretch/>
+        </p:blipFill>
+        <p:spPr>
+          <a:xfrm>
+            <a:off x="810001" y="1260938"/>
+            <a:ext cx="10572000" cy="2581857"/>
+          </a:xfrm>
+          <a:prstGeom prst="roundRect">
+            <a:avLst>
+              <a:gd name="adj" fmla="val 3876"/>
+            </a:avLst>
+          </a:prstGeom>
+          <a:ln>
+            <a:solidFill>
+              <a:schemeClr val="accent1"/>
+            </a:solidFill>
+          </a:ln>
+          <a:effectLst/>
+        </p:spPr>
+      </p:pic>
+    </p:spTree>
+    <p:extLst>
+      <p:ext uri="{BB962C8B-B14F-4D97-AF65-F5344CB8AC3E}">
+        <p14:creationId xmlns:p14="http://schemas.microsoft.com/office/powerpoint/2010/main" val="82892361"/>
+      </p:ext>
+    </p:extLst>
+  </p:cSld>
+  <p:clrMapOvr>
+    <a:masterClrMapping/>
+  </p:clrMapOvr>
+</p:sld>
+</file>
+
+<file path=ppt/slides/slide6.xml><?xml version="1.0" encoding="utf-8"?>
+<p:sld xmlns:a="http://schemas.openxmlformats.org/drawingml/2006/main" xmlns:r="http://schemas.openxmlformats.org/officeDocument/2006/relationships" xmlns:p="http://schemas.openxmlformats.org/presentationml/2006/main">
+  <p:cSld>
+    <p:bg>
+      <p:bgPr>
+        <a:solidFill>
+          <a:schemeClr val="bg2"/>
+        </a:solidFill>
+        <a:effectLst/>
+      </p:bgPr>
+    </p:bg>
+    <p:spTree>
+      <p:nvGrpSpPr>
+        <p:cNvPr id="1" name=""/>
+        <p:cNvGrpSpPr/>
+        <p:nvPr/>
+      </p:nvGrpSpPr>
+      <p:grpSpPr>
+        <a:xfrm>
+          <a:off x="0" y="0"/>
+          <a:ext cx="0" cy="0"/>
+          <a:chOff x="0" y="0"/>
+          <a:chExt cx="0" cy="0"/>
+        </a:xfrm>
+      </p:grpSpPr>
+      <p:pic>
+        <p:nvPicPr>
+          <p:cNvPr id="5" name="Inhaltsplatzhalter 4" descr="Grafik">
+            <a:extLst>
+              <a:ext uri="{FF2B5EF4-FFF2-40B4-BE49-F238E27FC236}">
+                <a16:creationId xmlns:a16="http://schemas.microsoft.com/office/drawing/2014/main" id="{F99587AB-0F82-0EF7-922C-4397C8F30129}"/>
+              </a:ext>
+            </a:extLst>
+          </p:cNvPr>
+          <p:cNvPicPr>
+            <a:picLocks noChangeAspect="1"/>
+          </p:cNvPicPr>
+          <p:nvPr/>
+        </p:nvPicPr>
+        <p:blipFill rotWithShape="1">
+          <a:blip r:embed="rId2">
+            <a:extLst>
+              <a:ext uri="{28A0092B-C50C-407E-A947-70E740481C1C}">
+                <a14:useLocalDpi xmlns:a14="http://schemas.microsoft.com/office/drawing/2010/main" val="0"/>
+              </a:ext>
+            </a:extLst>
+          </a:blip>
+          <a:srcRect l="31375" t="17599" r="23618" b="1369"/>
+          <a:stretch/>
+        </p:blipFill>
+        <p:spPr>
+          <a:xfrm>
+            <a:off x="6108700" y="-1"/>
+            <a:ext cx="6094450" cy="6858001"/>
+          </a:xfrm>
+          <a:prstGeom prst="rect">
+            <a:avLst/>
+          </a:prstGeom>
+        </p:spPr>
+      </p:pic>
+      <p:sp>
+        <p:nvSpPr>
+          <p:cNvPr id="12" name="Freeform 16">
+            <a:extLst>
+              <a:ext uri="{FF2B5EF4-FFF2-40B4-BE49-F238E27FC236}">
+                <a16:creationId xmlns:a16="http://schemas.microsoft.com/office/drawing/2014/main" id="{3994EE40-F54F-48E5-826B-B45158209684}"/>
+              </a:ext>
+              <a:ext uri="{C183D7F6-B498-43B3-948B-1728B52AA6E4}">
+                <adec:decorative xmlns:adec="http://schemas.microsoft.com/office/drawing/2017/decorative" val="1"/>
+              </a:ext>
+            </a:extLst>
+          </p:cNvPr>
+          <p:cNvSpPr>
+            <a:spLocks noGrp="1" noRot="1" noChangeAspect="1" noMove="1" noResize="1" noEditPoints="1" noAdjustHandles="1" noChangeArrowheads="1" noChangeShapeType="1" noTextEdit="1"/>
+          </p:cNvSpPr>
+          <p:nvPr>
+            <p:extLst>
+              <p:ext uri="{386F3935-93C4-4BCD-93E2-E3B085C9AB24}">
+                <p16:designElem xmlns:p16="http://schemas.microsoft.com/office/powerpoint/2015/main" val="1"/>
+              </p:ext>
+            </p:extLst>
+          </p:nvPr>
+        </p:nvSpPr>
+        <p:spPr bwMode="white">
+          <a:xfrm>
+            <a:off x="0" y="0"/>
+            <a:ext cx="6485467" cy="6858000"/>
+          </a:xfrm>
+          <a:custGeom>
+            <a:avLst/>
+            <a:gdLst>
+              <a:gd name="connsiteX0" fmla="*/ 0 w 6485467"/>
+              <a:gd name="connsiteY0" fmla="*/ 0 h 6858000"/>
+              <a:gd name="connsiteX1" fmla="*/ 6485467 w 6485467"/>
+              <a:gd name="connsiteY1" fmla="*/ 0 h 6858000"/>
+              <a:gd name="connsiteX2" fmla="*/ 6485467 w 6485467"/>
+              <a:gd name="connsiteY2" fmla="*/ 1900238 h 6858000"/>
+              <a:gd name="connsiteX3" fmla="*/ 6115051 w 6485467"/>
+              <a:gd name="connsiteY3" fmla="*/ 2178050 h 6858000"/>
+              <a:gd name="connsiteX4" fmla="*/ 6110817 w 6485467"/>
+              <a:gd name="connsiteY4" fmla="*/ 2184400 h 6858000"/>
+              <a:gd name="connsiteX5" fmla="*/ 6104467 w 6485467"/>
+              <a:gd name="connsiteY5" fmla="*/ 2193925 h 6858000"/>
+              <a:gd name="connsiteX6" fmla="*/ 6098117 w 6485467"/>
+              <a:gd name="connsiteY6" fmla="*/ 2201863 h 6858000"/>
+              <a:gd name="connsiteX7" fmla="*/ 6098117 w 6485467"/>
+              <a:gd name="connsiteY7" fmla="*/ 2211388 h 6858000"/>
+              <a:gd name="connsiteX8" fmla="*/ 6098117 w 6485467"/>
+              <a:gd name="connsiteY8" fmla="*/ 2220913 h 6858000"/>
+              <a:gd name="connsiteX9" fmla="*/ 6104467 w 6485467"/>
+              <a:gd name="connsiteY9" fmla="*/ 2228850 h 6858000"/>
+              <a:gd name="connsiteX10" fmla="*/ 6110817 w 6485467"/>
+              <a:gd name="connsiteY10" fmla="*/ 2238375 h 6858000"/>
+              <a:gd name="connsiteX11" fmla="*/ 6115051 w 6485467"/>
+              <a:gd name="connsiteY11" fmla="*/ 2244725 h 6858000"/>
+              <a:gd name="connsiteX12" fmla="*/ 6485467 w 6485467"/>
+              <a:gd name="connsiteY12" fmla="*/ 2522538 h 6858000"/>
+              <a:gd name="connsiteX13" fmla="*/ 6485467 w 6485467"/>
+              <a:gd name="connsiteY13" fmla="*/ 6858000 h 6858000"/>
+              <a:gd name="connsiteX14" fmla="*/ 0 w 6485467"/>
+              <a:gd name="connsiteY14" fmla="*/ 6858000 h 6858000"/>
+            </a:gdLst>
+            <a:ahLst/>
+            <a:cxnLst>
+              <a:cxn ang="0">
+                <a:pos x="connsiteX0" y="connsiteY0"/>
+              </a:cxn>
+              <a:cxn ang="0">
+                <a:pos x="connsiteX1" y="connsiteY1"/>
+              </a:cxn>
+              <a:cxn ang="0">
+                <a:pos x="connsiteX2" y="connsiteY2"/>
+              </a:cxn>
+              <a:cxn ang="0">
+                <a:pos x="connsiteX3" y="connsiteY3"/>
+              </a:cxn>
+              <a:cxn ang="0">
+                <a:pos x="connsiteX4" y="connsiteY4"/>
+              </a:cxn>
+              <a:cxn ang="0">
+                <a:pos x="connsiteX5" y="connsiteY5"/>
+              </a:cxn>
+              <a:cxn ang="0">
+                <a:pos x="connsiteX6" y="connsiteY6"/>
+              </a:cxn>
+              <a:cxn ang="0">
+                <a:pos x="connsiteX7" y="connsiteY7"/>
+              </a:cxn>
+              <a:cxn ang="0">
+                <a:pos x="connsiteX8" y="connsiteY8"/>
+              </a:cxn>
+              <a:cxn ang="0">
+                <a:pos x="connsiteX9" y="connsiteY9"/>
+              </a:cxn>
+              <a:cxn ang="0">
+                <a:pos x="connsiteX10" y="connsiteY10"/>
+              </a:cxn>
+              <a:cxn ang="0">
+                <a:pos x="connsiteX11" y="connsiteY11"/>
+              </a:cxn>
+              <a:cxn ang="0">
+                <a:pos x="connsiteX12" y="connsiteY12"/>
+              </a:cxn>
+              <a:cxn ang="0">
+                <a:pos x="connsiteX13" y="connsiteY13"/>
+              </a:cxn>
+              <a:cxn ang="0">
+                <a:pos x="connsiteX14" y="connsiteY14"/>
+              </a:cxn>
+            </a:cxnLst>
+            <a:rect l="l" t="t" r="r" b="b"/>
+            <a:pathLst>
+              <a:path w="6485467" h="6858000">
+                <a:moveTo>
+                  <a:pt x="0" y="0"/>
+                </a:moveTo>
+                <a:lnTo>
+                  <a:pt x="6485467" y="0"/>
+                </a:lnTo>
+                <a:lnTo>
+                  <a:pt x="6485467" y="1900238"/>
+                </a:lnTo>
+                <a:lnTo>
+                  <a:pt x="6115051" y="2178050"/>
+                </a:lnTo>
+                <a:lnTo>
+                  <a:pt x="6110817" y="2184400"/>
+                </a:lnTo>
+                <a:lnTo>
+                  <a:pt x="6104467" y="2193925"/>
+                </a:lnTo>
+                <a:lnTo>
+                  <a:pt x="6098117" y="2201863"/>
+                </a:lnTo>
+                <a:lnTo>
+                  <a:pt x="6098117" y="2211388"/>
+                </a:lnTo>
+                <a:lnTo>
+                  <a:pt x="6098117" y="2220913"/>
+                </a:lnTo>
+                <a:lnTo>
+                  <a:pt x="6104467" y="2228850"/>
+                </a:lnTo>
+                <a:lnTo>
+                  <a:pt x="6110817" y="2238375"/>
+                </a:lnTo>
+                <a:lnTo>
+                  <a:pt x="6115051" y="2244725"/>
+                </a:lnTo>
+                <a:lnTo>
+                  <a:pt x="6485467" y="2522538"/>
+                </a:lnTo>
+                <a:lnTo>
+                  <a:pt x="6485467" y="6858000"/>
+                </a:lnTo>
+                <a:lnTo>
+                  <a:pt x="0" y="6858000"/>
+                </a:lnTo>
+                <a:close/>
+              </a:path>
+            </a:pathLst>
+          </a:custGeom>
+          <a:solidFill>
+            <a:schemeClr val="bg1">
+              <a:lumMod val="85000"/>
+              <a:lumOff val="15000"/>
+            </a:schemeClr>
+          </a:solidFill>
+          <a:ln>
+            <a:noFill/>
+          </a:ln>
+          <a:effectLst/>
+        </p:spPr>
+        <p:style>
+          <a:lnRef idx="2">
+            <a:schemeClr val="accent1">
+              <a:shade val="50000"/>
+            </a:schemeClr>
+          </a:lnRef>
+          <a:fillRef idx="1">
+            <a:schemeClr val="accent1"/>
+          </a:fillRef>
+          <a:effectRef idx="0">
+            <a:schemeClr val="accent1"/>
+          </a:effectRef>
+          <a:fontRef idx="minor">
+            <a:schemeClr val="lt1"/>
+          </a:fontRef>
+        </p:style>
+        <p:txBody>
+          <a:bodyPr rtlCol="0" anchor="ctr"/>
+          <a:lstStyle/>
+          <a:p>
+            <a:pPr algn="ctr"/>
+            <a:endParaRPr lang="en-US"/>
+          </a:p>
+        </p:txBody>
+      </p:sp>
+      <p:sp>
+        <p:nvSpPr>
+          <p:cNvPr id="2" name="Titel 1">
+            <a:extLst>
+              <a:ext uri="{FF2B5EF4-FFF2-40B4-BE49-F238E27FC236}">
+                <a16:creationId xmlns:a16="http://schemas.microsoft.com/office/drawing/2014/main" id="{97D1EB32-7633-B04E-C97F-D8D95C995271}"/>
+              </a:ext>
+            </a:extLst>
+          </p:cNvPr>
+          <p:cNvSpPr>
+            <a:spLocks noGrp="1"/>
+          </p:cNvSpPr>
+          <p:nvPr>
+            <p:ph type="title"/>
+          </p:nvPr>
+        </p:nvSpPr>
+        <p:spPr>
+          <a:xfrm>
+            <a:off x="810000" y="447188"/>
+            <a:ext cx="5070100" cy="1559412"/>
+          </a:xfrm>
+        </p:spPr>
+        <p:txBody>
+          <a:bodyPr>
+            <a:normAutofit/>
+          </a:bodyPr>
+          <a:lstStyle/>
+          <a:p>
+            <a:r>
+              <a:rPr lang="de-DE">
+                <a:cs typeface="Calibri Light"/>
+              </a:rPr>
+              <a:t>Vorgehensweise</a:t>
+            </a:r>
+            <a:endParaRPr lang="de-DE"/>
+          </a:p>
+        </p:txBody>
+      </p:sp>
+      <p:pic>
+        <p:nvPicPr>
+          <p:cNvPr id="7" name="Inhaltsplatzhalter 6">
+            <a:extLst>
+              <a:ext uri="{FF2B5EF4-FFF2-40B4-BE49-F238E27FC236}">
+                <a16:creationId xmlns:a16="http://schemas.microsoft.com/office/drawing/2014/main" id="{0E62C703-926B-E408-3D81-8DCAA3450C8E}"/>
+              </a:ext>
+            </a:extLst>
+          </p:cNvPr>
+          <p:cNvPicPr>
+            <a:picLocks noGrp="1" noChangeAspect="1"/>
+          </p:cNvPicPr>
+          <p:nvPr>
+            <p:ph idx="1"/>
+          </p:nvPr>
+        </p:nvPicPr>
+        <p:blipFill>
+          <a:blip r:embed="rId3">
+            <a:duotone>
+              <a:schemeClr val="accent3">
+                <a:shade val="45000"/>
+                <a:satMod val="135000"/>
+              </a:schemeClr>
+              <a:prstClr val="white"/>
+            </a:duotone>
+            <a:extLst>
+              <a:ext uri="{28A0092B-C50C-407E-A947-70E740481C1C}">
+                <a14:useLocalDpi xmlns:a14="http://schemas.microsoft.com/office/drawing/2010/main" val="0"/>
+              </a:ext>
+            </a:extLst>
+          </a:blip>
+          <a:stretch>
+            <a:fillRect/>
+          </a:stretch>
+        </p:blipFill>
+        <p:spPr>
+          <a:xfrm>
+            <a:off x="526256" y="2742248"/>
+            <a:ext cx="5056188" cy="3380103"/>
+          </a:xfrm>
+        </p:spPr>
+      </p:pic>
+    </p:spTree>
+    <p:extLst>
+      <p:ext uri="{BB962C8B-B14F-4D97-AF65-F5344CB8AC3E}">
+        <p14:creationId xmlns:p14="http://schemas.microsoft.com/office/powerpoint/2010/main" val="1920496154"/>
+      </p:ext>
+    </p:extLst>
+  </p:cSld>
+  <p:clrMapOvr>
+    <a:masterClrMapping/>
+  </p:clrMapOvr>
+</p:sld>
+</file>
+
+<file path=ppt/slides/slide7.xml><?xml version="1.0" encoding="utf-8"?>
+<p:sld xmlns:a="http://schemas.openxmlformats.org/drawingml/2006/main" xmlns:r="http://schemas.openxmlformats.org/officeDocument/2006/relationships" xmlns:p="http://schemas.openxmlformats.org/presentationml/2006/main">
+  <p:cSld>
+    <p:bg>
+      <p:bgPr>
+        <a:solidFill>
+          <a:schemeClr val="bg2"/>
+        </a:solidFill>
+        <a:effectLst/>
+      </p:bgPr>
+    </p:bg>
+    <p:spTree>
+      <p:nvGrpSpPr>
+        <p:cNvPr id="1" name=""/>
+        <p:cNvGrpSpPr/>
+        <p:nvPr/>
+      </p:nvGrpSpPr>
+      <p:grpSpPr>
+        <a:xfrm>
+          <a:off x="0" y="0"/>
+          <a:ext cx="0" cy="0"/>
+          <a:chOff x="0" y="0"/>
+          <a:chExt cx="0" cy="0"/>
+        </a:xfrm>
+      </p:grpSpPr>
       <p:pic>
         <p:nvPicPr>
           <p:cNvPr id="5" name="Inhaltsplatzhalter 4" descr="Computerbenutzer hält Kaffeetasse">
@@ -12223,7 +14653,7 @@
 </p:sld>
 </file>
 
-<file path=ppt/slides/slide6.xml><?xml version="1.0" encoding="utf-8"?>
+<file path=ppt/slides/slide8.xml><?xml version="1.0" encoding="utf-8"?>
 <p:sld xmlns:a="http://schemas.openxmlformats.org/drawingml/2006/main" xmlns:r="http://schemas.openxmlformats.org/officeDocument/2006/relationships" xmlns:p="http://schemas.openxmlformats.org/presentationml/2006/main">
   <p:cSld>
     <p:bg>
@@ -12590,10 +15020,33 @@
             <p:ph idx="1"/>
           </p:nvPr>
         </p:nvSpPr>
-        <p:spPr/>
+        <p:spPr>
+          <a:xfrm>
+            <a:off x="810000" y="2187615"/>
+            <a:ext cx="5675467" cy="4670385"/>
+          </a:xfrm>
+        </p:spPr>
         <p:txBody>
           <a:bodyPr/>
           <a:lstStyle/>
+          <a:p>
+            <a:r>
+              <a:rPr lang="de-DE" dirty="0"/>
+              <a:t>Zu großer Zeitraum</a:t>
+            </a:r>
+          </a:p>
+          <a:p>
+            <a:endParaRPr lang="de-DE" dirty="0"/>
+          </a:p>
+          <a:p>
+            <a:r>
+              <a:rPr lang="de-DE" dirty="0"/>
+              <a:t>Schwierige Interpretation =&gt; Intervall</a:t>
+            </a:r>
+          </a:p>
+          <a:p>
+            <a:endParaRPr lang="de-DE" dirty="0"/>
+          </a:p>
           <a:p>
             <a:r>
               <a:rPr lang="de-DE" dirty="0"/>
@@ -12610,24 +15063,6 @@
             <a:r>
               <a:rPr lang="de-DE" dirty="0"/>
               <a:t>GECOIN“</a:t>
-            </a:r>
-          </a:p>
-          <a:p>
-            <a:endParaRPr lang="de-DE" dirty="0"/>
-          </a:p>
-          <a:p>
-            <a:r>
-              <a:rPr lang="de-DE" dirty="0"/>
-              <a:t>Zu großer Zeitraum</a:t>
-            </a:r>
-          </a:p>
-          <a:p>
-            <a:endParaRPr lang="de-DE" dirty="0"/>
-          </a:p>
-          <a:p>
-            <a:r>
-              <a:rPr lang="de-DE" dirty="0"/>
-              <a:t>Schwierige Interpretation</a:t>
             </a:r>
           </a:p>
         </p:txBody>
@@ -12846,7 +15281,7 @@
 </p:sld>
 </file>
 
-<file path=ppt/slides/slide7.xml><?xml version="1.0" encoding="utf-8"?>
+<file path=ppt/slides/slide9.xml><?xml version="1.0" encoding="utf-8"?>
 <p:sld xmlns:a="http://schemas.openxmlformats.org/drawingml/2006/main" xmlns:r="http://schemas.openxmlformats.org/officeDocument/2006/relationships" xmlns:p="http://schemas.openxmlformats.org/presentationml/2006/main">
   <p:cSld>
     <p:bg>
@@ -13519,1197 +15954,6 @@
 </p:sld>
 </file>
 
-<file path=ppt/slides/slide8.xml><?xml version="1.0" encoding="utf-8"?>
-<p:sld xmlns:a="http://schemas.openxmlformats.org/drawingml/2006/main" xmlns:r="http://schemas.openxmlformats.org/officeDocument/2006/relationships" xmlns:p="http://schemas.openxmlformats.org/presentationml/2006/main">
-  <p:cSld>
-    <p:bg>
-      <p:bgPr>
-        <a:solidFill>
-          <a:schemeClr val="bg2"/>
-        </a:solidFill>
-        <a:effectLst/>
-      </p:bgPr>
-    </p:bg>
-    <p:spTree>
-      <p:nvGrpSpPr>
-        <p:cNvPr id="1" name=""/>
-        <p:cNvGrpSpPr/>
-        <p:nvPr/>
-      </p:nvGrpSpPr>
-      <p:grpSpPr>
-        <a:xfrm>
-          <a:off x="0" y="0"/>
-          <a:ext cx="0" cy="0"/>
-          <a:chOff x="0" y="0"/>
-          <a:chExt cx="0" cy="0"/>
-        </a:xfrm>
-      </p:grpSpPr>
-      <p:sp>
-        <p:nvSpPr>
-          <p:cNvPr id="80" name="Freeform 6">
-            <a:extLst>
-              <a:ext uri="{FF2B5EF4-FFF2-40B4-BE49-F238E27FC236}">
-                <a16:creationId xmlns:a16="http://schemas.microsoft.com/office/drawing/2014/main" id="{11114F18-D12D-43C6-895F-5BA92C290CC1}"/>
-              </a:ext>
-              <a:ext uri="{C183D7F6-B498-43B3-948B-1728B52AA6E4}">
-                <adec:decorative xmlns:adec="http://schemas.microsoft.com/office/drawing/2017/decorative" val="1"/>
-              </a:ext>
-            </a:extLst>
-          </p:cNvPr>
-          <p:cNvSpPr>
-            <a:spLocks noGrp="1" noRot="1" noChangeAspect="1" noMove="1" noResize="1" noEditPoints="1" noAdjustHandles="1" noChangeArrowheads="1" noChangeShapeType="1" noTextEdit="1"/>
-          </p:cNvSpPr>
-          <p:nvPr>
-            <p:extLst>
-              <p:ext uri="{386F3935-93C4-4BCD-93E2-E3B085C9AB24}">
-                <p16:designElem xmlns:p16="http://schemas.microsoft.com/office/powerpoint/2015/main" val="1"/>
-              </p:ext>
-            </p:extLst>
-          </p:nvPr>
-        </p:nvSpPr>
-        <p:spPr bwMode="auto">
-          <a:xfrm>
-            <a:off x="0" y="-3175"/>
-            <a:ext cx="12192000" cy="5203825"/>
-          </a:xfrm>
-          <a:custGeom>
-            <a:avLst/>
-            <a:gdLst/>
-            <a:ahLst/>
-            <a:cxnLst/>
-            <a:rect l="0" t="0" r="r" b="b"/>
-            <a:pathLst>
-              <a:path w="5760" h="3278">
-                <a:moveTo>
-                  <a:pt x="5760" y="0"/>
-                </a:moveTo>
-                <a:lnTo>
-                  <a:pt x="0" y="0"/>
-                </a:lnTo>
-                <a:lnTo>
-                  <a:pt x="0" y="3090"/>
-                </a:lnTo>
-                <a:lnTo>
-                  <a:pt x="943" y="3090"/>
-                </a:lnTo>
-                <a:lnTo>
-                  <a:pt x="1123" y="3270"/>
-                </a:lnTo>
-                <a:lnTo>
-                  <a:pt x="1123" y="3270"/>
-                </a:lnTo>
-                <a:lnTo>
-                  <a:pt x="1127" y="3272"/>
-                </a:lnTo>
-                <a:lnTo>
-                  <a:pt x="1133" y="3275"/>
-                </a:lnTo>
-                <a:lnTo>
-                  <a:pt x="1139" y="3278"/>
-                </a:lnTo>
-                <a:lnTo>
-                  <a:pt x="1144" y="3278"/>
-                </a:lnTo>
-                <a:lnTo>
-                  <a:pt x="1150" y="3278"/>
-                </a:lnTo>
-                <a:lnTo>
-                  <a:pt x="1155" y="3275"/>
-                </a:lnTo>
-                <a:lnTo>
-                  <a:pt x="1161" y="3272"/>
-                </a:lnTo>
-                <a:lnTo>
-                  <a:pt x="1165" y="3270"/>
-                </a:lnTo>
-                <a:lnTo>
-                  <a:pt x="1345" y="3090"/>
-                </a:lnTo>
-                <a:lnTo>
-                  <a:pt x="5760" y="3090"/>
-                </a:lnTo>
-                <a:lnTo>
-                  <a:pt x="5760" y="0"/>
-                </a:lnTo>
-                <a:close/>
-              </a:path>
-            </a:pathLst>
-          </a:custGeom>
-          <a:ln/>
-          <a:effectLst/>
-          <a:extLst>
-            <a:ext uri="{91240B29-F687-4f45-9708-019B960494DF}">
-              <a14:hiddenLine xmlns="" xmlns:a16="http://schemas.microsoft.com/office/drawing/2014/main" xmlns:p14="http://schemas.microsoft.com/office/powerpoint/2010/main" xmlns:a14="http://schemas.microsoft.com/office/drawing/2010/main" w="9525">
-                <a:solidFill>
-                  <a:srgbClr val="000000"/>
-                </a:solidFill>
-                <a:round/>
-                <a:headEnd/>
-                <a:tailEnd/>
-              </a14:hiddenLine>
-            </a:ext>
-          </a:extLst>
-        </p:spPr>
-        <p:style>
-          <a:lnRef idx="1">
-            <a:schemeClr val="accent1"/>
-          </a:lnRef>
-          <a:fillRef idx="3">
-            <a:schemeClr val="accent1"/>
-          </a:fillRef>
-          <a:effectRef idx="2">
-            <a:schemeClr val="accent1"/>
-          </a:effectRef>
-          <a:fontRef idx="minor">
-            <a:schemeClr val="lt1"/>
-          </a:fontRef>
-        </p:style>
-      </p:sp>
-      <p:sp>
-        <p:nvSpPr>
-          <p:cNvPr id="95" name="Rounded Rectangle 16">
-            <a:extLst>
-              <a:ext uri="{FF2B5EF4-FFF2-40B4-BE49-F238E27FC236}">
-                <a16:creationId xmlns:a16="http://schemas.microsoft.com/office/drawing/2014/main" id="{AF9B2B08-75D2-47EB-A5C0-986478393C4B}"/>
-              </a:ext>
-              <a:ext uri="{C183D7F6-B498-43B3-948B-1728B52AA6E4}">
-                <adec:decorative xmlns:adec="http://schemas.microsoft.com/office/drawing/2017/decorative" val="1"/>
-              </a:ext>
-            </a:extLst>
-          </p:cNvPr>
-          <p:cNvSpPr>
-            <a:spLocks noGrp="1" noRot="1" noChangeAspect="1" noMove="1" noResize="1" noEditPoints="1" noAdjustHandles="1" noChangeArrowheads="1" noChangeShapeType="1" noTextEdit="1"/>
-          </p:cNvSpPr>
-          <p:nvPr>
-            <p:extLst>
-              <p:ext uri="{386F3935-93C4-4BCD-93E2-E3B085C9AB24}">
-                <p16:designElem xmlns:p16="http://schemas.microsoft.com/office/powerpoint/2015/main" val="1"/>
-              </p:ext>
-            </p:extLst>
-          </p:nvPr>
-        </p:nvSpPr>
-        <p:spPr>
-          <a:xfrm>
-            <a:off x="635458" y="643464"/>
-            <a:ext cx="5365605" cy="3599352"/>
-          </a:xfrm>
-          <a:prstGeom prst="roundRect">
-            <a:avLst>
-              <a:gd name="adj" fmla="val 4219"/>
-            </a:avLst>
-          </a:prstGeom>
-          <a:solidFill>
-            <a:schemeClr val="tx1"/>
-          </a:solidFill>
-          <a:ln>
-            <a:solidFill>
-              <a:schemeClr val="accent1">
-                <a:lumMod val="75000"/>
-              </a:schemeClr>
-            </a:solidFill>
-          </a:ln>
-          <a:effectLst/>
-        </p:spPr>
-        <p:style>
-          <a:lnRef idx="2">
-            <a:schemeClr val="accent1">
-              <a:shade val="50000"/>
-            </a:schemeClr>
-          </a:lnRef>
-          <a:fillRef idx="1">
-            <a:schemeClr val="accent1"/>
-          </a:fillRef>
-          <a:effectRef idx="0">
-            <a:schemeClr val="accent1"/>
-          </a:effectRef>
-          <a:fontRef idx="minor">
-            <a:schemeClr val="lt1"/>
-          </a:fontRef>
-        </p:style>
-        <p:txBody>
-          <a:bodyPr rtlCol="0" anchor="ctr"/>
-          <a:lstStyle/>
-          <a:p>
-            <a:pPr algn="ctr"/>
-            <a:endParaRPr lang="en-US"/>
-          </a:p>
-        </p:txBody>
-      </p:sp>
-      <p:sp>
-        <p:nvSpPr>
-          <p:cNvPr id="96" name="Rounded Rectangle 18">
-            <a:extLst>
-              <a:ext uri="{FF2B5EF4-FFF2-40B4-BE49-F238E27FC236}">
-                <a16:creationId xmlns:a16="http://schemas.microsoft.com/office/drawing/2014/main" id="{7E25C7D9-6246-4DD6-8994-4BC3A9EE4CEF}"/>
-              </a:ext>
-              <a:ext uri="{C183D7F6-B498-43B3-948B-1728B52AA6E4}">
-                <adec:decorative xmlns:adec="http://schemas.microsoft.com/office/drawing/2017/decorative" val="1"/>
-              </a:ext>
-            </a:extLst>
-          </p:cNvPr>
-          <p:cNvSpPr>
-            <a:spLocks noGrp="1" noRot="1" noChangeAspect="1" noMove="1" noResize="1" noEditPoints="1" noAdjustHandles="1" noChangeArrowheads="1" noChangeShapeType="1" noTextEdit="1"/>
-          </p:cNvSpPr>
-          <p:nvPr>
-            <p:extLst>
-              <p:ext uri="{386F3935-93C4-4BCD-93E2-E3B085C9AB24}">
-                <p16:designElem xmlns:p16="http://schemas.microsoft.com/office/powerpoint/2015/main" val="1"/>
-              </p:ext>
-            </p:extLst>
-          </p:nvPr>
-        </p:nvSpPr>
-        <p:spPr>
-          <a:xfrm>
-            <a:off x="6180932" y="643464"/>
-            <a:ext cx="5365605" cy="3599352"/>
-          </a:xfrm>
-          <a:prstGeom prst="roundRect">
-            <a:avLst>
-              <a:gd name="adj" fmla="val 4219"/>
-            </a:avLst>
-          </a:prstGeom>
-          <a:solidFill>
-            <a:schemeClr val="tx1"/>
-          </a:solidFill>
-          <a:ln>
-            <a:solidFill>
-              <a:schemeClr val="accent1">
-                <a:lumMod val="75000"/>
-              </a:schemeClr>
-            </a:solidFill>
-          </a:ln>
-          <a:effectLst/>
-        </p:spPr>
-        <p:style>
-          <a:lnRef idx="2">
-            <a:schemeClr val="accent1">
-              <a:shade val="50000"/>
-            </a:schemeClr>
-          </a:lnRef>
-          <a:fillRef idx="1">
-            <a:schemeClr val="accent1"/>
-          </a:fillRef>
-          <a:effectRef idx="0">
-            <a:schemeClr val="accent1"/>
-          </a:effectRef>
-          <a:fontRef idx="minor">
-            <a:schemeClr val="lt1"/>
-          </a:fontRef>
-        </p:style>
-        <p:txBody>
-          <a:bodyPr rtlCol="0" anchor="ctr"/>
-          <a:lstStyle/>
-          <a:p>
-            <a:pPr algn="ctr"/>
-            <a:endParaRPr lang="en-US"/>
-          </a:p>
-        </p:txBody>
-      </p:sp>
-      <p:grpSp>
-        <p:nvGrpSpPr>
-          <p:cNvPr id="86" name="Group 85">
-            <a:extLst>
-              <a:ext uri="{FF2B5EF4-FFF2-40B4-BE49-F238E27FC236}">
-                <a16:creationId xmlns:a16="http://schemas.microsoft.com/office/drawing/2014/main" id="{D16A414C-5E5E-4426-8403-003A08DA3907}"/>
-              </a:ext>
-              <a:ext uri="{C183D7F6-B498-43B3-948B-1728B52AA6E4}">
-                <adec:decorative xmlns:adec="http://schemas.microsoft.com/office/drawing/2017/decorative" val="1"/>
-              </a:ext>
-            </a:extLst>
-          </p:cNvPr>
-          <p:cNvGrpSpPr>
-            <a:grpSpLocks noGrp="1" noUngrp="1" noRot="1" noChangeAspect="1" noMove="1" noResize="1"/>
-          </p:cNvGrpSpPr>
-          <p:nvPr>
-            <p:extLst>
-              <p:ext uri="{386F3935-93C4-4BCD-93E2-E3B085C9AB24}">
-                <p16:designElem xmlns:p16="http://schemas.microsoft.com/office/powerpoint/2015/main" val="1"/>
-              </p:ext>
-            </p:extLst>
-          </p:nvPr>
-        </p:nvGrpSpPr>
-        <p:grpSpPr bwMode="white">
-          <a:xfrm>
-            <a:off x="0" y="4525094"/>
-            <a:ext cx="12203151" cy="2344057"/>
-            <a:chOff x="0" y="4525094"/>
-            <a:chExt cx="12203151" cy="2344057"/>
-          </a:xfrm>
-        </p:grpSpPr>
-        <p:sp>
-          <p:nvSpPr>
-            <p:cNvPr id="97" name="Freeform 9">
-              <a:extLst>
-                <a:ext uri="{FF2B5EF4-FFF2-40B4-BE49-F238E27FC236}">
-                  <a16:creationId xmlns:a16="http://schemas.microsoft.com/office/drawing/2014/main" id="{94DB3BEE-6C96-46FB-8C15-8B113A650B00}"/>
-                </a:ext>
-                <a:ext uri="{C183D7F6-B498-43B3-948B-1728B52AA6E4}">
-                  <adec:decorative xmlns:adec="http://schemas.microsoft.com/office/drawing/2017/decorative" val="1"/>
-                </a:ext>
-              </a:extLst>
-            </p:cNvPr>
-            <p:cNvSpPr/>
-            <p:nvPr>
-              <p:extLst>
-                <p:ext uri="{386F3935-93C4-4BCD-93E2-E3B085C9AB24}">
-                  <p16:designElem xmlns:p16="http://schemas.microsoft.com/office/powerpoint/2015/main" val="1"/>
-                </p:ext>
-              </p:extLst>
-            </p:nvPr>
-          </p:nvSpPr>
-          <p:spPr bwMode="white">
-            <a:xfrm>
-              <a:off x="0" y="4525094"/>
-              <a:ext cx="12192000" cy="2332906"/>
-            </a:xfrm>
-            <a:custGeom>
-              <a:avLst/>
-              <a:gdLst>
-                <a:gd name="connsiteX0" fmla="*/ 0 w 12192000"/>
-                <a:gd name="connsiteY0" fmla="*/ 0 h 2332906"/>
-                <a:gd name="connsiteX1" fmla="*/ 1996017 w 12192000"/>
-                <a:gd name="connsiteY1" fmla="*/ 0 h 2332906"/>
-                <a:gd name="connsiteX2" fmla="*/ 2377017 w 12192000"/>
-                <a:gd name="connsiteY2" fmla="*/ 263783 h 2332906"/>
-                <a:gd name="connsiteX3" fmla="*/ 2385484 w 12192000"/>
-                <a:gd name="connsiteY3" fmla="*/ 266713 h 2332906"/>
-                <a:gd name="connsiteX4" fmla="*/ 2398184 w 12192000"/>
-                <a:gd name="connsiteY4" fmla="*/ 271110 h 2332906"/>
-                <a:gd name="connsiteX5" fmla="*/ 2410883 w 12192000"/>
-                <a:gd name="connsiteY5" fmla="*/ 275506 h 2332906"/>
-                <a:gd name="connsiteX6" fmla="*/ 2421467 w 12192000"/>
-                <a:gd name="connsiteY6" fmla="*/ 275506 h 2332906"/>
-                <a:gd name="connsiteX7" fmla="*/ 2434167 w 12192000"/>
-                <a:gd name="connsiteY7" fmla="*/ 275506 h 2332906"/>
-                <a:gd name="connsiteX8" fmla="*/ 2444750 w 12192000"/>
-                <a:gd name="connsiteY8" fmla="*/ 271110 h 2332906"/>
-                <a:gd name="connsiteX9" fmla="*/ 2457450 w 12192000"/>
-                <a:gd name="connsiteY9" fmla="*/ 266713 h 2332906"/>
-                <a:gd name="connsiteX10" fmla="*/ 2465917 w 12192000"/>
-                <a:gd name="connsiteY10" fmla="*/ 263783 h 2332906"/>
-                <a:gd name="connsiteX11" fmla="*/ 2846917 w 12192000"/>
-                <a:gd name="connsiteY11" fmla="*/ 0 h 2332906"/>
-                <a:gd name="connsiteX12" fmla="*/ 12192000 w 12192000"/>
-                <a:gd name="connsiteY12" fmla="*/ 0 h 2332906"/>
-                <a:gd name="connsiteX13" fmla="*/ 12192000 w 12192000"/>
-                <a:gd name="connsiteY13" fmla="*/ 2332906 h 2332906"/>
-                <a:gd name="connsiteX14" fmla="*/ 0 w 12192000"/>
-                <a:gd name="connsiteY14" fmla="*/ 2332906 h 2332906"/>
-              </a:gdLst>
-              <a:ahLst/>
-              <a:cxnLst>
-                <a:cxn ang="0">
-                  <a:pos x="connsiteX0" y="connsiteY0"/>
-                </a:cxn>
-                <a:cxn ang="0">
-                  <a:pos x="connsiteX1" y="connsiteY1"/>
-                </a:cxn>
-                <a:cxn ang="0">
-                  <a:pos x="connsiteX2" y="connsiteY2"/>
-                </a:cxn>
-                <a:cxn ang="0">
-                  <a:pos x="connsiteX3" y="connsiteY3"/>
-                </a:cxn>
-                <a:cxn ang="0">
-                  <a:pos x="connsiteX4" y="connsiteY4"/>
-                </a:cxn>
-                <a:cxn ang="0">
-                  <a:pos x="connsiteX5" y="connsiteY5"/>
-                </a:cxn>
-                <a:cxn ang="0">
-                  <a:pos x="connsiteX6" y="connsiteY6"/>
-                </a:cxn>
-                <a:cxn ang="0">
-                  <a:pos x="connsiteX7" y="connsiteY7"/>
-                </a:cxn>
-                <a:cxn ang="0">
-                  <a:pos x="connsiteX8" y="connsiteY8"/>
-                </a:cxn>
-                <a:cxn ang="0">
-                  <a:pos x="connsiteX9" y="connsiteY9"/>
-                </a:cxn>
-                <a:cxn ang="0">
-                  <a:pos x="connsiteX10" y="connsiteY10"/>
-                </a:cxn>
-                <a:cxn ang="0">
-                  <a:pos x="connsiteX11" y="connsiteY11"/>
-                </a:cxn>
-                <a:cxn ang="0">
-                  <a:pos x="connsiteX12" y="connsiteY12"/>
-                </a:cxn>
-                <a:cxn ang="0">
-                  <a:pos x="connsiteX13" y="connsiteY13"/>
-                </a:cxn>
-                <a:cxn ang="0">
-                  <a:pos x="connsiteX14" y="connsiteY14"/>
-                </a:cxn>
-              </a:cxnLst>
-              <a:rect l="l" t="t" r="r" b="b"/>
-              <a:pathLst>
-                <a:path w="12192000" h="2332906">
-                  <a:moveTo>
-                    <a:pt x="0" y="0"/>
-                  </a:moveTo>
-                  <a:lnTo>
-                    <a:pt x="1996017" y="0"/>
-                  </a:lnTo>
-                  <a:lnTo>
-                    <a:pt x="2377017" y="263783"/>
-                  </a:lnTo>
-                  <a:lnTo>
-                    <a:pt x="2385484" y="266713"/>
-                  </a:lnTo>
-                  <a:lnTo>
-                    <a:pt x="2398184" y="271110"/>
-                  </a:lnTo>
-                  <a:lnTo>
-                    <a:pt x="2410883" y="275506"/>
-                  </a:lnTo>
-                  <a:lnTo>
-                    <a:pt x="2421467" y="275506"/>
-                  </a:lnTo>
-                  <a:lnTo>
-                    <a:pt x="2434167" y="275506"/>
-                  </a:lnTo>
-                  <a:lnTo>
-                    <a:pt x="2444750" y="271110"/>
-                  </a:lnTo>
-                  <a:lnTo>
-                    <a:pt x="2457450" y="266713"/>
-                  </a:lnTo>
-                  <a:lnTo>
-                    <a:pt x="2465917" y="263783"/>
-                  </a:lnTo>
-                  <a:lnTo>
-                    <a:pt x="2846917" y="0"/>
-                  </a:lnTo>
-                  <a:lnTo>
-                    <a:pt x="12192000" y="0"/>
-                  </a:lnTo>
-                  <a:lnTo>
-                    <a:pt x="12192000" y="2332906"/>
-                  </a:lnTo>
-                  <a:lnTo>
-                    <a:pt x="0" y="2332906"/>
-                  </a:lnTo>
-                  <a:close/>
-                </a:path>
-              </a:pathLst>
-            </a:custGeom>
-            <a:solidFill>
-              <a:schemeClr val="bg1">
-                <a:lumMod val="85000"/>
-                <a:lumOff val="15000"/>
-              </a:schemeClr>
-            </a:solidFill>
-            <a:ln>
-              <a:solidFill>
-                <a:schemeClr val="accent1"/>
-              </a:solidFill>
-            </a:ln>
-          </p:spPr>
-          <p:style>
-            <a:lnRef idx="2">
-              <a:schemeClr val="accent1">
-                <a:shade val="50000"/>
-              </a:schemeClr>
-            </a:lnRef>
-            <a:fillRef idx="1">
-              <a:schemeClr val="accent1"/>
-            </a:fillRef>
-            <a:effectRef idx="0">
-              <a:schemeClr val="accent1"/>
-            </a:effectRef>
-            <a:fontRef idx="minor">
-              <a:schemeClr val="lt1"/>
-            </a:fontRef>
-          </p:style>
-          <p:txBody>
-            <a:bodyPr rtlCol="0" anchor="ctr"/>
-            <a:lstStyle/>
-            <a:p>
-              <a:pPr algn="ctr"/>
-              <a:endParaRPr lang="en-US"/>
-            </a:p>
-          </p:txBody>
-        </p:sp>
-        <p:sp>
-          <p:nvSpPr>
-            <p:cNvPr id="98" name="Isosceles Triangle 87">
-              <a:extLst>
-                <a:ext uri="{FF2B5EF4-FFF2-40B4-BE49-F238E27FC236}">
-                  <a16:creationId xmlns:a16="http://schemas.microsoft.com/office/drawing/2014/main" id="{F40BAA06-E9BA-470B-A5C0-46A23420F7FE}"/>
-                </a:ext>
-                <a:ext uri="{C183D7F6-B498-43B3-948B-1728B52AA6E4}">
-                  <adec:decorative xmlns:adec="http://schemas.microsoft.com/office/drawing/2017/decorative" val="1"/>
-                </a:ext>
-              </a:extLst>
-            </p:cNvPr>
-            <p:cNvSpPr/>
-            <p:nvPr>
-              <p:extLst>
-                <p:ext uri="{386F3935-93C4-4BCD-93E2-E3B085C9AB24}">
-                  <p16:designElem xmlns:p16="http://schemas.microsoft.com/office/powerpoint/2015/main" val="1"/>
-                </p:ext>
-              </p:extLst>
-            </p:nvPr>
-          </p:nvSpPr>
-          <p:spPr bwMode="white">
-            <a:xfrm flipH="1">
-              <a:off x="3820" y="4536245"/>
-              <a:ext cx="5660999" cy="2332906"/>
-            </a:xfrm>
-            <a:prstGeom prst="triangle">
-              <a:avLst>
-                <a:gd name="adj" fmla="val 100000"/>
-              </a:avLst>
-            </a:prstGeom>
-            <a:solidFill>
-              <a:schemeClr val="bg1">
-                <a:lumMod val="85000"/>
-                <a:lumOff val="15000"/>
-              </a:schemeClr>
-            </a:solidFill>
-            <a:ln>
-              <a:noFill/>
-            </a:ln>
-          </p:spPr>
-          <p:style>
-            <a:lnRef idx="2">
-              <a:schemeClr val="accent1">
-                <a:shade val="50000"/>
-              </a:schemeClr>
-            </a:lnRef>
-            <a:fillRef idx="1">
-              <a:schemeClr val="accent1"/>
-            </a:fillRef>
-            <a:effectRef idx="0">
-              <a:schemeClr val="accent1"/>
-            </a:effectRef>
-            <a:fontRef idx="minor">
-              <a:schemeClr val="lt1"/>
-            </a:fontRef>
-          </p:style>
-          <p:txBody>
-            <a:bodyPr rtlCol="0" anchor="ctr"/>
-            <a:lstStyle/>
-            <a:p>
-              <a:pPr algn="ctr"/>
-              <a:endParaRPr lang="en-US"/>
-            </a:p>
-          </p:txBody>
-        </p:sp>
-        <p:sp>
-          <p:nvSpPr>
-            <p:cNvPr id="99" name="Isosceles Triangle 88">
-              <a:extLst>
-                <a:ext uri="{FF2B5EF4-FFF2-40B4-BE49-F238E27FC236}">
-                  <a16:creationId xmlns:a16="http://schemas.microsoft.com/office/drawing/2014/main" id="{062096F8-9F75-4506-A42C-8867603F6727}"/>
-                </a:ext>
-                <a:ext uri="{C183D7F6-B498-43B3-948B-1728B52AA6E4}">
-                  <adec:decorative xmlns:adec="http://schemas.microsoft.com/office/drawing/2017/decorative" val="1"/>
-                </a:ext>
-              </a:extLst>
-            </p:cNvPr>
-            <p:cNvSpPr/>
-            <p:nvPr>
-              <p:extLst>
-                <p:ext uri="{386F3935-93C4-4BCD-93E2-E3B085C9AB24}">
-                  <p16:designElem xmlns:p16="http://schemas.microsoft.com/office/powerpoint/2015/main" val="1"/>
-                </p:ext>
-              </p:extLst>
-            </p:nvPr>
-          </p:nvSpPr>
-          <p:spPr bwMode="white">
-            <a:xfrm>
-              <a:off x="4813714" y="4536245"/>
-              <a:ext cx="7389437" cy="2332906"/>
-            </a:xfrm>
-            <a:prstGeom prst="triangle">
-              <a:avLst>
-                <a:gd name="adj" fmla="val 100000"/>
-              </a:avLst>
-            </a:prstGeom>
-            <a:solidFill>
-              <a:schemeClr val="bg1">
-                <a:lumMod val="85000"/>
-                <a:lumOff val="15000"/>
-              </a:schemeClr>
-            </a:solidFill>
-            <a:ln>
-              <a:noFill/>
-            </a:ln>
-          </p:spPr>
-          <p:style>
-            <a:lnRef idx="2">
-              <a:schemeClr val="accent1">
-                <a:shade val="50000"/>
-              </a:schemeClr>
-            </a:lnRef>
-            <a:fillRef idx="1">
-              <a:schemeClr val="accent1"/>
-            </a:fillRef>
-            <a:effectRef idx="0">
-              <a:schemeClr val="accent1"/>
-            </a:effectRef>
-            <a:fontRef idx="minor">
-              <a:schemeClr val="lt1"/>
-            </a:fontRef>
-          </p:style>
-          <p:txBody>
-            <a:bodyPr rtlCol="0" anchor="ctr"/>
-            <a:lstStyle/>
-            <a:p>
-              <a:pPr algn="ctr"/>
-              <a:endParaRPr lang="en-US"/>
-            </a:p>
-          </p:txBody>
-        </p:sp>
-      </p:grpSp>
-      <p:sp>
-        <p:nvSpPr>
-          <p:cNvPr id="2" name="Titel 1">
-            <a:extLst>
-              <a:ext uri="{FF2B5EF4-FFF2-40B4-BE49-F238E27FC236}">
-                <a16:creationId xmlns:a16="http://schemas.microsoft.com/office/drawing/2014/main" id="{A070115B-D5C6-F466-CB31-577A61F9E80F}"/>
-              </a:ext>
-            </a:extLst>
-          </p:cNvPr>
-          <p:cNvSpPr>
-            <a:spLocks noGrp="1"/>
-          </p:cNvSpPr>
-          <p:nvPr>
-            <p:ph type="title"/>
-          </p:nvPr>
-        </p:nvSpPr>
-        <p:spPr>
-          <a:xfrm>
-            <a:off x="810001" y="4817533"/>
-            <a:ext cx="10572000" cy="779529"/>
-          </a:xfrm>
-        </p:spPr>
-        <p:txBody>
-          <a:bodyPr vert="horz" lIns="91440" tIns="45720" rIns="91440" bIns="45720" rtlCol="0" anchor="b">
-            <a:normAutofit/>
-          </a:bodyPr>
-          <a:lstStyle/>
-          <a:p>
-            <a:r>
-              <a:rPr lang="en-US"/>
-              <a:t>Auswertung</a:t>
-            </a:r>
-          </a:p>
-        </p:txBody>
-      </p:sp>
-      <p:pic>
-        <p:nvPicPr>
-          <p:cNvPr id="10" name="Picture 9">
-            <a:extLst>
-              <a:ext uri="{FF2B5EF4-FFF2-40B4-BE49-F238E27FC236}">
-                <a16:creationId xmlns:a16="http://schemas.microsoft.com/office/drawing/2014/main" id="{CF1BB4BE-55F3-4A81-0929-15D2BE808F69}"/>
-              </a:ext>
-            </a:extLst>
-          </p:cNvPr>
-          <p:cNvPicPr>
-            <a:picLocks noChangeAspect="1"/>
-          </p:cNvPicPr>
-          <p:nvPr/>
-        </p:nvPicPr>
-        <p:blipFill>
-          <a:blip r:embed="rId2"/>
-          <a:stretch>
-            <a:fillRect/>
-          </a:stretch>
-        </p:blipFill>
-        <p:spPr>
-          <a:xfrm>
-            <a:off x="793124" y="1562721"/>
-            <a:ext cx="5044213" cy="1752864"/>
-          </a:xfrm>
-          <a:prstGeom prst="rect">
-            <a:avLst/>
-          </a:prstGeom>
-        </p:spPr>
-      </p:pic>
-      <p:pic>
-        <p:nvPicPr>
-          <p:cNvPr id="61" name="Content Placeholder 60">
-            <a:extLst>
-              <a:ext uri="{FF2B5EF4-FFF2-40B4-BE49-F238E27FC236}">
-                <a16:creationId xmlns:a16="http://schemas.microsoft.com/office/drawing/2014/main" id="{1FB8A02E-F070-C3CE-4209-43D6367EF59C}"/>
-              </a:ext>
-            </a:extLst>
-          </p:cNvPr>
-          <p:cNvPicPr>
-            <a:picLocks noGrp="1" noChangeAspect="1"/>
-          </p:cNvPicPr>
-          <p:nvPr>
-            <p:ph idx="1"/>
-          </p:nvPr>
-        </p:nvPicPr>
-        <p:blipFill>
-          <a:blip r:embed="rId3"/>
-          <a:stretch>
-            <a:fillRect/>
-          </a:stretch>
-        </p:blipFill>
-        <p:spPr>
-          <a:xfrm>
-            <a:off x="6341627" y="1579319"/>
-            <a:ext cx="5044213" cy="1727642"/>
-          </a:xfrm>
-          <a:prstGeom prst="rect">
-            <a:avLst/>
-          </a:prstGeom>
-        </p:spPr>
-      </p:pic>
-    </p:spTree>
-    <p:extLst>
-      <p:ext uri="{BB962C8B-B14F-4D97-AF65-F5344CB8AC3E}">
-        <p14:creationId xmlns:p14="http://schemas.microsoft.com/office/powerpoint/2010/main" val="1106106631"/>
-      </p:ext>
-    </p:extLst>
-  </p:cSld>
-  <p:clrMapOvr>
-    <a:masterClrMapping/>
-  </p:clrMapOvr>
-</p:sld>
-</file>
-
-<file path=ppt/slides/slide9.xml><?xml version="1.0" encoding="utf-8"?>
-<p:sld xmlns:a="http://schemas.openxmlformats.org/drawingml/2006/main" xmlns:r="http://schemas.openxmlformats.org/officeDocument/2006/relationships" xmlns:p="http://schemas.openxmlformats.org/presentationml/2006/main">
-  <p:cSld>
-    <p:bg>
-      <p:bgPr>
-        <a:solidFill>
-          <a:schemeClr val="bg2"/>
-        </a:solidFill>
-        <a:effectLst/>
-      </p:bgPr>
-    </p:bg>
-    <p:spTree>
-      <p:nvGrpSpPr>
-        <p:cNvPr id="1" name=""/>
-        <p:cNvGrpSpPr/>
-        <p:nvPr/>
-      </p:nvGrpSpPr>
-      <p:grpSpPr>
-        <a:xfrm>
-          <a:off x="0" y="0"/>
-          <a:ext cx="0" cy="0"/>
-          <a:chOff x="0" y="0"/>
-          <a:chExt cx="0" cy="0"/>
-        </a:xfrm>
-      </p:grpSpPr>
-      <p:sp>
-        <p:nvSpPr>
-          <p:cNvPr id="42" name="Freeform 6">
-            <a:extLst>
-              <a:ext uri="{FF2B5EF4-FFF2-40B4-BE49-F238E27FC236}">
-                <a16:creationId xmlns:a16="http://schemas.microsoft.com/office/drawing/2014/main" id="{133F8CB7-795C-4272-9073-64D8CF97F220}"/>
-              </a:ext>
-              <a:ext uri="{C183D7F6-B498-43B3-948B-1728B52AA6E4}">
-                <adec:decorative xmlns:adec="http://schemas.microsoft.com/office/drawing/2017/decorative" val="1"/>
-              </a:ext>
-            </a:extLst>
-          </p:cNvPr>
-          <p:cNvSpPr>
-            <a:spLocks noGrp="1" noRot="1" noChangeAspect="1" noMove="1" noResize="1" noEditPoints="1" noAdjustHandles="1" noChangeArrowheads="1" noChangeShapeType="1" noTextEdit="1"/>
-          </p:cNvSpPr>
-          <p:nvPr>
-            <p:extLst>
-              <p:ext uri="{386F3935-93C4-4BCD-93E2-E3B085C9AB24}">
-                <p16:designElem xmlns:p16="http://schemas.microsoft.com/office/powerpoint/2015/main" val="1"/>
-              </p:ext>
-            </p:extLst>
-          </p:nvPr>
-        </p:nvSpPr>
-        <p:spPr bwMode="auto">
-          <a:xfrm>
-            <a:off x="0" y="-3175"/>
-            <a:ext cx="12192000" cy="5203825"/>
-          </a:xfrm>
-          <a:custGeom>
-            <a:avLst/>
-            <a:gdLst/>
-            <a:ahLst/>
-            <a:cxnLst/>
-            <a:rect l="0" t="0" r="r" b="b"/>
-            <a:pathLst>
-              <a:path w="5760" h="3278">
-                <a:moveTo>
-                  <a:pt x="5760" y="0"/>
-                </a:moveTo>
-                <a:lnTo>
-                  <a:pt x="0" y="0"/>
-                </a:lnTo>
-                <a:lnTo>
-                  <a:pt x="0" y="3090"/>
-                </a:lnTo>
-                <a:lnTo>
-                  <a:pt x="943" y="3090"/>
-                </a:lnTo>
-                <a:lnTo>
-                  <a:pt x="1123" y="3270"/>
-                </a:lnTo>
-                <a:lnTo>
-                  <a:pt x="1123" y="3270"/>
-                </a:lnTo>
-                <a:lnTo>
-                  <a:pt x="1127" y="3272"/>
-                </a:lnTo>
-                <a:lnTo>
-                  <a:pt x="1133" y="3275"/>
-                </a:lnTo>
-                <a:lnTo>
-                  <a:pt x="1139" y="3278"/>
-                </a:lnTo>
-                <a:lnTo>
-                  <a:pt x="1144" y="3278"/>
-                </a:lnTo>
-                <a:lnTo>
-                  <a:pt x="1150" y="3278"/>
-                </a:lnTo>
-                <a:lnTo>
-                  <a:pt x="1155" y="3275"/>
-                </a:lnTo>
-                <a:lnTo>
-                  <a:pt x="1161" y="3272"/>
-                </a:lnTo>
-                <a:lnTo>
-                  <a:pt x="1165" y="3270"/>
-                </a:lnTo>
-                <a:lnTo>
-                  <a:pt x="1345" y="3090"/>
-                </a:lnTo>
-                <a:lnTo>
-                  <a:pt x="5760" y="3090"/>
-                </a:lnTo>
-                <a:lnTo>
-                  <a:pt x="5760" y="0"/>
-                </a:lnTo>
-                <a:close/>
-              </a:path>
-            </a:pathLst>
-          </a:custGeom>
-          <a:ln/>
-          <a:effectLst/>
-          <a:extLst>
-            <a:ext uri="{91240B29-F687-4f45-9708-019B960494DF}">
-              <a14:hiddenLine xmlns:a14="http://schemas.microsoft.com/office/drawing/2010/main" xmlns:p14="http://schemas.microsoft.com/office/powerpoint/2010/main" xmlns:a16="http://schemas.microsoft.com/office/drawing/2014/main" xmlns="" w="9525">
-                <a:solidFill>
-                  <a:srgbClr val="000000"/>
-                </a:solidFill>
-                <a:round/>
-                <a:headEnd/>
-                <a:tailEnd/>
-              </a14:hiddenLine>
-            </a:ext>
-          </a:extLst>
-        </p:spPr>
-        <p:style>
-          <a:lnRef idx="1">
-            <a:schemeClr val="accent1"/>
-          </a:lnRef>
-          <a:fillRef idx="3">
-            <a:schemeClr val="accent1"/>
-          </a:fillRef>
-          <a:effectRef idx="2">
-            <a:schemeClr val="accent1"/>
-          </a:effectRef>
-          <a:fontRef idx="minor">
-            <a:schemeClr val="lt1"/>
-          </a:fontRef>
-        </p:style>
-      </p:sp>
-      <p:sp>
-        <p:nvSpPr>
-          <p:cNvPr id="44" name="Freeform 9">
-            <a:extLst>
-              <a:ext uri="{FF2B5EF4-FFF2-40B4-BE49-F238E27FC236}">
-                <a16:creationId xmlns:a16="http://schemas.microsoft.com/office/drawing/2014/main" id="{7AF0B711-0578-47A6-AB9A-AF422D2535BF}"/>
-              </a:ext>
-              <a:ext uri="{C183D7F6-B498-43B3-948B-1728B52AA6E4}">
-                <adec:decorative xmlns:adec="http://schemas.microsoft.com/office/drawing/2017/decorative" val="1"/>
-              </a:ext>
-            </a:extLst>
-          </p:cNvPr>
-          <p:cNvSpPr>
-            <a:spLocks noGrp="1" noRot="1" noChangeAspect="1" noMove="1" noResize="1" noEditPoints="1" noAdjustHandles="1" noChangeArrowheads="1" noChangeShapeType="1" noTextEdit="1"/>
-          </p:cNvSpPr>
-          <p:nvPr>
-            <p:extLst>
-              <p:ext uri="{386F3935-93C4-4BCD-93E2-E3B085C9AB24}">
-                <p16:designElem xmlns:p16="http://schemas.microsoft.com/office/powerpoint/2015/main" val="1"/>
-              </p:ext>
-            </p:extLst>
-          </p:nvPr>
-        </p:nvSpPr>
-        <p:spPr bwMode="white">
-          <a:xfrm>
-            <a:off x="0" y="4525094"/>
-            <a:ext cx="12192000" cy="2332906"/>
-          </a:xfrm>
-          <a:custGeom>
-            <a:avLst/>
-            <a:gdLst>
-              <a:gd name="connsiteX0" fmla="*/ 0 w 12192000"/>
-              <a:gd name="connsiteY0" fmla="*/ 0 h 2332906"/>
-              <a:gd name="connsiteX1" fmla="*/ 1996017 w 12192000"/>
-              <a:gd name="connsiteY1" fmla="*/ 0 h 2332906"/>
-              <a:gd name="connsiteX2" fmla="*/ 2377017 w 12192000"/>
-              <a:gd name="connsiteY2" fmla="*/ 263783 h 2332906"/>
-              <a:gd name="connsiteX3" fmla="*/ 2385484 w 12192000"/>
-              <a:gd name="connsiteY3" fmla="*/ 266713 h 2332906"/>
-              <a:gd name="connsiteX4" fmla="*/ 2398184 w 12192000"/>
-              <a:gd name="connsiteY4" fmla="*/ 271110 h 2332906"/>
-              <a:gd name="connsiteX5" fmla="*/ 2410883 w 12192000"/>
-              <a:gd name="connsiteY5" fmla="*/ 275506 h 2332906"/>
-              <a:gd name="connsiteX6" fmla="*/ 2421467 w 12192000"/>
-              <a:gd name="connsiteY6" fmla="*/ 275506 h 2332906"/>
-              <a:gd name="connsiteX7" fmla="*/ 2434167 w 12192000"/>
-              <a:gd name="connsiteY7" fmla="*/ 275506 h 2332906"/>
-              <a:gd name="connsiteX8" fmla="*/ 2444750 w 12192000"/>
-              <a:gd name="connsiteY8" fmla="*/ 271110 h 2332906"/>
-              <a:gd name="connsiteX9" fmla="*/ 2457450 w 12192000"/>
-              <a:gd name="connsiteY9" fmla="*/ 266713 h 2332906"/>
-              <a:gd name="connsiteX10" fmla="*/ 2465917 w 12192000"/>
-              <a:gd name="connsiteY10" fmla="*/ 263783 h 2332906"/>
-              <a:gd name="connsiteX11" fmla="*/ 2846917 w 12192000"/>
-              <a:gd name="connsiteY11" fmla="*/ 0 h 2332906"/>
-              <a:gd name="connsiteX12" fmla="*/ 12192000 w 12192000"/>
-              <a:gd name="connsiteY12" fmla="*/ 0 h 2332906"/>
-              <a:gd name="connsiteX13" fmla="*/ 12192000 w 12192000"/>
-              <a:gd name="connsiteY13" fmla="*/ 2332906 h 2332906"/>
-              <a:gd name="connsiteX14" fmla="*/ 0 w 12192000"/>
-              <a:gd name="connsiteY14" fmla="*/ 2332906 h 2332906"/>
-            </a:gdLst>
-            <a:ahLst/>
-            <a:cxnLst>
-              <a:cxn ang="0">
-                <a:pos x="connsiteX0" y="connsiteY0"/>
-              </a:cxn>
-              <a:cxn ang="0">
-                <a:pos x="connsiteX1" y="connsiteY1"/>
-              </a:cxn>
-              <a:cxn ang="0">
-                <a:pos x="connsiteX2" y="connsiteY2"/>
-              </a:cxn>
-              <a:cxn ang="0">
-                <a:pos x="connsiteX3" y="connsiteY3"/>
-              </a:cxn>
-              <a:cxn ang="0">
-                <a:pos x="connsiteX4" y="connsiteY4"/>
-              </a:cxn>
-              <a:cxn ang="0">
-                <a:pos x="connsiteX5" y="connsiteY5"/>
-              </a:cxn>
-              <a:cxn ang="0">
-                <a:pos x="connsiteX6" y="connsiteY6"/>
-              </a:cxn>
-              <a:cxn ang="0">
-                <a:pos x="connsiteX7" y="connsiteY7"/>
-              </a:cxn>
-              <a:cxn ang="0">
-                <a:pos x="connsiteX8" y="connsiteY8"/>
-              </a:cxn>
-              <a:cxn ang="0">
-                <a:pos x="connsiteX9" y="connsiteY9"/>
-              </a:cxn>
-              <a:cxn ang="0">
-                <a:pos x="connsiteX10" y="connsiteY10"/>
-              </a:cxn>
-              <a:cxn ang="0">
-                <a:pos x="connsiteX11" y="connsiteY11"/>
-              </a:cxn>
-              <a:cxn ang="0">
-                <a:pos x="connsiteX12" y="connsiteY12"/>
-              </a:cxn>
-              <a:cxn ang="0">
-                <a:pos x="connsiteX13" y="connsiteY13"/>
-              </a:cxn>
-              <a:cxn ang="0">
-                <a:pos x="connsiteX14" y="connsiteY14"/>
-              </a:cxn>
-            </a:cxnLst>
-            <a:rect l="l" t="t" r="r" b="b"/>
-            <a:pathLst>
-              <a:path w="12192000" h="2332906">
-                <a:moveTo>
-                  <a:pt x="0" y="0"/>
-                </a:moveTo>
-                <a:lnTo>
-                  <a:pt x="1996017" y="0"/>
-                </a:lnTo>
-                <a:lnTo>
-                  <a:pt x="2377017" y="263783"/>
-                </a:lnTo>
-                <a:lnTo>
-                  <a:pt x="2385484" y="266713"/>
-                </a:lnTo>
-                <a:lnTo>
-                  <a:pt x="2398184" y="271110"/>
-                </a:lnTo>
-                <a:lnTo>
-                  <a:pt x="2410883" y="275506"/>
-                </a:lnTo>
-                <a:lnTo>
-                  <a:pt x="2421467" y="275506"/>
-                </a:lnTo>
-                <a:lnTo>
-                  <a:pt x="2434167" y="275506"/>
-                </a:lnTo>
-                <a:lnTo>
-                  <a:pt x="2444750" y="271110"/>
-                </a:lnTo>
-                <a:lnTo>
-                  <a:pt x="2457450" y="266713"/>
-                </a:lnTo>
-                <a:lnTo>
-                  <a:pt x="2465917" y="263783"/>
-                </a:lnTo>
-                <a:lnTo>
-                  <a:pt x="2846917" y="0"/>
-                </a:lnTo>
-                <a:lnTo>
-                  <a:pt x="12192000" y="0"/>
-                </a:lnTo>
-                <a:lnTo>
-                  <a:pt x="12192000" y="2332906"/>
-                </a:lnTo>
-                <a:lnTo>
-                  <a:pt x="0" y="2332906"/>
-                </a:lnTo>
-                <a:close/>
-              </a:path>
-            </a:pathLst>
-          </a:custGeom>
-          <a:solidFill>
-            <a:srgbClr val="212121"/>
-          </a:solidFill>
-          <a:ln>
-            <a:solidFill>
-              <a:schemeClr val="accent1"/>
-            </a:solidFill>
-          </a:ln>
-        </p:spPr>
-        <p:style>
-          <a:lnRef idx="2">
-            <a:schemeClr val="accent1">
-              <a:shade val="50000"/>
-            </a:schemeClr>
-          </a:lnRef>
-          <a:fillRef idx="1">
-            <a:schemeClr val="accent1"/>
-          </a:fillRef>
-          <a:effectRef idx="0">
-            <a:schemeClr val="accent1"/>
-          </a:effectRef>
-          <a:fontRef idx="minor">
-            <a:schemeClr val="lt1"/>
-          </a:fontRef>
-        </p:style>
-        <p:txBody>
-          <a:bodyPr rtlCol="0" anchor="ctr"/>
-          <a:lstStyle/>
-          <a:p>
-            <a:pPr algn="ctr"/>
-            <a:endParaRPr lang="en-US"/>
-          </a:p>
-        </p:txBody>
-      </p:sp>
-      <p:sp>
-        <p:nvSpPr>
-          <p:cNvPr id="37" name="Title 1">
-            <a:extLst>
-              <a:ext uri="{FF2B5EF4-FFF2-40B4-BE49-F238E27FC236}">
-                <a16:creationId xmlns:a16="http://schemas.microsoft.com/office/drawing/2014/main" id="{9FD17F22-1E14-A188-CC8E-254B60B24475}"/>
-              </a:ext>
-            </a:extLst>
-          </p:cNvPr>
-          <p:cNvSpPr>
-            <a:spLocks noGrp="1"/>
-          </p:cNvSpPr>
-          <p:nvPr>
-            <p:ph type="title"/>
-          </p:nvPr>
-        </p:nvSpPr>
-        <p:spPr>
-          <a:xfrm>
-            <a:off x="810001" y="4817533"/>
-            <a:ext cx="10572000" cy="779529"/>
-          </a:xfrm>
-        </p:spPr>
-        <p:txBody>
-          <a:bodyPr vert="horz" lIns="91440" tIns="45720" rIns="91440" bIns="45720" rtlCol="0" anchor="b">
-            <a:normAutofit/>
-          </a:bodyPr>
-          <a:lstStyle/>
-          <a:p>
-            <a:r>
-              <a:rPr lang="en-US">
-                <a:solidFill>
-                  <a:srgbClr val="FFFFFF"/>
-                </a:solidFill>
-              </a:rPr>
-              <a:t>Auswertung</a:t>
-            </a:r>
-          </a:p>
-        </p:txBody>
-      </p:sp>
-      <p:pic>
-        <p:nvPicPr>
-          <p:cNvPr id="5" name="Content Placeholder 4" descr="A comparison of blue bars with black text">
-            <a:extLst>
-              <a:ext uri="{FF2B5EF4-FFF2-40B4-BE49-F238E27FC236}">
-                <a16:creationId xmlns:a16="http://schemas.microsoft.com/office/drawing/2014/main" id="{8603AB33-B69D-77B9-27F1-07CF2ACE4612}"/>
-              </a:ext>
-            </a:extLst>
-          </p:cNvPr>
-          <p:cNvPicPr>
-            <a:picLocks noGrp="1" noChangeAspect="1"/>
-          </p:cNvPicPr>
-          <p:nvPr>
-            <p:ph idx="1"/>
-          </p:nvPr>
-        </p:nvPicPr>
-        <p:blipFill>
-          <a:blip r:embed="rId2"/>
-          <a:stretch>
-            <a:fillRect/>
-          </a:stretch>
-        </p:blipFill>
-        <p:spPr>
-          <a:xfrm>
-            <a:off x="635457" y="640080"/>
-            <a:ext cx="10752964" cy="3602736"/>
-          </a:xfrm>
-          <a:prstGeom prst="roundRect">
-            <a:avLst>
-              <a:gd name="adj" fmla="val 3876"/>
-            </a:avLst>
-          </a:prstGeom>
-          <a:ln>
-            <a:solidFill>
-              <a:schemeClr val="accent1"/>
-            </a:solidFill>
-          </a:ln>
-          <a:effectLst/>
-        </p:spPr>
-      </p:pic>
-    </p:spTree>
-    <p:extLst>
-      <p:ext uri="{BB962C8B-B14F-4D97-AF65-F5344CB8AC3E}">
-        <p14:creationId xmlns:p14="http://schemas.microsoft.com/office/powerpoint/2010/main" val="1008985107"/>
-      </p:ext>
-    </p:extLst>
-  </p:cSld>
-  <p:clrMapOvr>
-    <a:masterClrMapping/>
-  </p:clrMapOvr>
-</p:sld>
-</file>
-
 <file path=ppt/theme/theme1.xml><?xml version="1.0" encoding="utf-8"?>
 <a:theme xmlns:a="http://schemas.openxmlformats.org/drawingml/2006/main" name="Quotable">
   <a:themeElements>

--- a/Presentation.pptx
+++ b/Presentation.pptx
@@ -224,7 +224,7 @@
           <a:effectLst/>
           <a:extLst>
             <a:ext uri="{91240B29-F687-4f45-9708-019B960494DF}">
-              <a14:hiddenLine xmlns:a14="http://schemas.microsoft.com/office/drawing/2010/main" xmlns="" w="9525">
+              <a14:hiddenLine xmlns="" xmlns:a14="http://schemas.microsoft.com/office/drawing/2010/main" w="9525">
                 <a:solidFill>
                   <a:srgbClr val="000000"/>
                 </a:solidFill>
@@ -415,7 +415,7 @@
             <a:fld id="{08B9EBBA-996F-894A-B54A-D6246ED52CEA}" type="datetimeFigureOut">
               <a:rPr lang="en-US" dirty="0"/>
               <a:pPr/>
-              <a:t>12/3/2023</a:t>
+              <a:t>12/4/2023</a:t>
             </a:fld>
             <a:endParaRPr lang="en-US" dirty="0"/>
           </a:p>
@@ -730,7 +730,7 @@
             <a:fld id="{18C79C5D-2A6F-F04D-97DA-BEF2467B64E4}" type="datetimeFigureOut">
               <a:rPr lang="en-US" dirty="0"/>
               <a:pPr/>
-              <a:t>12/3/2023</a:t>
+              <a:t>12/4/2023</a:t>
             </a:fld>
             <a:endParaRPr lang="en-US" dirty="0"/>
           </a:p>
@@ -1219,7 +1219,7 @@
             <a:fld id="{8DFA1846-DA80-1C48-A609-854EA85C59AD}" type="datetimeFigureOut">
               <a:rPr lang="en-US" dirty="0"/>
               <a:pPr/>
-              <a:t>12/3/2023</a:t>
+              <a:t>12/4/2023</a:t>
             </a:fld>
             <a:endParaRPr lang="en-US" dirty="0"/>
           </a:p>
@@ -1589,7 +1589,7 @@
             <a:fld id="{FBF54567-0DE4-3F47-BF90-CB84690072F9}" type="datetimeFigureOut">
               <a:rPr lang="en-US" dirty="0"/>
               <a:pPr/>
-              <a:t>12/3/2023</a:t>
+              <a:t>12/4/2023</a:t>
             </a:fld>
             <a:endParaRPr lang="en-US" dirty="0"/>
           </a:p>
@@ -1745,7 +1745,7 @@
           <a:ln/>
           <a:extLst>
             <a:ext uri="{91240B29-F687-4f45-9708-019B960494DF}">
-              <a14:hiddenLine xmlns:a14="http://schemas.microsoft.com/office/drawing/2010/main" xmlns="" w="9525">
+              <a14:hiddenLine xmlns="" xmlns:a14="http://schemas.microsoft.com/office/drawing/2010/main" w="9525">
                 <a:solidFill>
                   <a:srgbClr val="000000"/>
                 </a:solidFill>
@@ -1862,7 +1862,7 @@
             <a:fld id="{C6C52C72-DE31-F449-A4ED-4C594FD91407}" type="datetimeFigureOut">
               <a:rPr lang="en-US" dirty="0"/>
               <a:pPr/>
-              <a:t>12/3/2023</a:t>
+              <a:t>12/4/2023</a:t>
             </a:fld>
             <a:endParaRPr lang="en-US" dirty="0"/>
           </a:p>
@@ -2020,7 +2020,7 @@
           <a:ln/>
           <a:extLst>
             <a:ext uri="{91240B29-F687-4f45-9708-019B960494DF}">
-              <a14:hiddenLine xmlns:a14="http://schemas.microsoft.com/office/drawing/2010/main" xmlns="" w="9525">
+              <a14:hiddenLine xmlns="" xmlns:a14="http://schemas.microsoft.com/office/drawing/2010/main" w="9525">
                 <a:solidFill>
                   <a:srgbClr val="000000"/>
                 </a:solidFill>
@@ -2147,7 +2147,7 @@
             <a:fld id="{ED62726E-379B-B349-9EED-81ED093FA806}" type="datetimeFigureOut">
               <a:rPr lang="en-US" dirty="0"/>
               <a:pPr/>
-              <a:t>12/3/2023</a:t>
+              <a:t>12/4/2023</a:t>
             </a:fld>
             <a:endParaRPr lang="en-US" dirty="0"/>
           </a:p>
@@ -2303,7 +2303,7 @@
           <a:ln/>
           <a:extLst>
             <a:ext uri="{91240B29-F687-4f45-9708-019B960494DF}">
-              <a14:hiddenLine xmlns:a14="http://schemas.microsoft.com/office/drawing/2010/main" xmlns="" w="9525">
+              <a14:hiddenLine xmlns="" xmlns:a14="http://schemas.microsoft.com/office/drawing/2010/main" w="9525">
                 <a:solidFill>
                   <a:srgbClr val="000000"/>
                 </a:solidFill>
@@ -2430,7 +2430,7 @@
             <a:fld id="{9B3A1323-8D79-1946-B0D7-40001CF92E9D}" type="datetimeFigureOut">
               <a:rPr lang="en-US" dirty="0"/>
               <a:pPr/>
-              <a:t>12/3/2023</a:t>
+              <a:t>12/4/2023</a:t>
             </a:fld>
             <a:endParaRPr lang="en-US" dirty="0"/>
           </a:p>
@@ -2774,7 +2774,7 @@
             <a:fld id="{8DFA1846-DA80-1C48-A609-854EA85C59AD}" type="datetimeFigureOut">
               <a:rPr lang="en-US" dirty="0"/>
               <a:pPr/>
-              <a:t>12/3/2023</a:t>
+              <a:t>12/4/2023</a:t>
             </a:fld>
             <a:endParaRPr lang="en-US" dirty="0"/>
           </a:p>
@@ -2930,7 +2930,7 @@
           <a:ln/>
           <a:extLst>
             <a:ext uri="{91240B29-F687-4f45-9708-019B960494DF}">
-              <a14:hiddenLine xmlns:a14="http://schemas.microsoft.com/office/drawing/2010/main" xmlns="" w="9525">
+              <a14:hiddenLine xmlns="" xmlns:a14="http://schemas.microsoft.com/office/drawing/2010/main" w="9525">
                 <a:solidFill>
                   <a:srgbClr val="000000"/>
                 </a:solidFill>
@@ -3112,7 +3112,7 @@
             <a:fld id="{57302355-E14B-8545-A8F8-0FE83CC9D524}" type="datetimeFigureOut">
               <a:rPr lang="en-US" dirty="0"/>
               <a:pPr/>
-              <a:t>12/3/2023</a:t>
+              <a:t>12/4/2023</a:t>
             </a:fld>
             <a:endParaRPr lang="en-US" dirty="0"/>
           </a:p>
@@ -3268,7 +3268,7 @@
           <a:ln/>
           <a:extLst>
             <a:ext uri="{91240B29-F687-4f45-9708-019B960494DF}">
-              <a14:hiddenLine xmlns:a14="http://schemas.microsoft.com/office/drawing/2010/main" xmlns="" w="9525">
+              <a14:hiddenLine xmlns="" xmlns:a14="http://schemas.microsoft.com/office/drawing/2010/main" w="9525">
                 <a:solidFill>
                   <a:srgbClr val="000000"/>
                 </a:solidFill>
@@ -3588,7 +3588,7 @@
             <a:fld id="{02640F58-564D-2B4F-AE67-E407BA4FCF45}" type="datetimeFigureOut">
               <a:rPr lang="en-US" dirty="0"/>
               <a:pPr/>
-              <a:t>12/3/2023</a:t>
+              <a:t>12/4/2023</a:t>
             </a:fld>
             <a:endParaRPr lang="en-US" dirty="0"/>
           </a:p>
@@ -3744,7 +3744,7 @@
           <a:ln/>
           <a:extLst>
             <a:ext uri="{91240B29-F687-4f45-9708-019B960494DF}">
-              <a14:hiddenLine xmlns:a14="http://schemas.microsoft.com/office/drawing/2010/main" xmlns="" w="9525">
+              <a14:hiddenLine xmlns="" xmlns:a14="http://schemas.microsoft.com/office/drawing/2010/main" w="9525">
                 <a:solidFill>
                   <a:srgbClr val="000000"/>
                 </a:solidFill>
@@ -3810,7 +3810,7 @@
             <a:fld id="{F13A34C8-038E-2045-AF43-DF7DBB8E0E9E}" type="datetimeFigureOut">
               <a:rPr lang="en-US" dirty="0"/>
               <a:pPr/>
-              <a:t>12/3/2023</a:t>
+              <a:t>12/4/2023</a:t>
             </a:fld>
             <a:endParaRPr lang="en-US" dirty="0"/>
           </a:p>
@@ -3907,7 +3907,7 @@
             <a:fld id="{8818C68F-D26B-8F47-958C-23B49CF8A634}" type="datetimeFigureOut">
               <a:rPr lang="en-US" dirty="0"/>
               <a:pPr/>
-              <a:t>12/3/2023</a:t>
+              <a:t>12/4/2023</a:t>
             </a:fld>
             <a:endParaRPr lang="en-US" dirty="0"/>
           </a:p>
@@ -4176,7 +4176,7 @@
           <a:ln/>
           <a:extLst>
             <a:ext uri="{91240B29-F687-4f45-9708-019B960494DF}">
-              <a14:hiddenLine xmlns:a14="http://schemas.microsoft.com/office/drawing/2010/main" xmlns="" w="9525">
+              <a14:hiddenLine xmlns="" xmlns:a14="http://schemas.microsoft.com/office/drawing/2010/main" w="9525">
                 <a:solidFill>
                   <a:srgbClr val="000000"/>
                 </a:solidFill>
@@ -4374,7 +4374,7 @@
             <a:fld id="{D0DF5E60-9974-AC48-9591-99C2BB44B7CF}" type="datetimeFigureOut">
               <a:rPr lang="en-US" dirty="0"/>
               <a:pPr/>
-              <a:t>12/3/2023</a:t>
+              <a:t>12/4/2023</a:t>
             </a:fld>
             <a:endParaRPr lang="en-US" dirty="0"/>
           </a:p>
@@ -4684,7 +4684,7 @@
             <a:fld id="{18C79C5D-2A6F-F04D-97DA-BEF2467B64E4}" type="datetimeFigureOut">
               <a:rPr lang="en-US" dirty="0"/>
               <a:pPr/>
-              <a:t>12/3/2023</a:t>
+              <a:t>12/4/2023</a:t>
             </a:fld>
             <a:endParaRPr lang="en-US" dirty="0"/>
           </a:p>
@@ -4954,7 +4954,7 @@
             <a:fld id="{09B482E8-6E0E-1B4F-B1FD-C69DB9E858D9}" type="datetimeFigureOut">
               <a:rPr lang="en-US" dirty="0"/>
               <a:pPr/>
-              <a:t>12/3/2023</a:t>
+              <a:t>12/4/2023</a:t>
             </a:fld>
             <a:endParaRPr lang="en-US" dirty="0"/>
           </a:p>
@@ -6450,7 +6450,7 @@
           <a:effectLst/>
           <a:extLst>
             <a:ext uri="{91240B29-F687-4f45-9708-019B960494DF}">
-              <a14:hiddenLine xmlns="" xmlns:a16="http://schemas.microsoft.com/office/drawing/2014/main" xmlns:p14="http://schemas.microsoft.com/office/powerpoint/2010/main" xmlns:a14="http://schemas.microsoft.com/office/drawing/2010/main" w="9525">
+              <a14:hiddenLine xmlns:a14="http://schemas.microsoft.com/office/drawing/2010/main" xmlns:p14="http://schemas.microsoft.com/office/powerpoint/2010/main" xmlns:a16="http://schemas.microsoft.com/office/drawing/2014/main" xmlns="" w="9525">
                 <a:solidFill>
                   <a:srgbClr val="000000"/>
                 </a:solidFill>
@@ -6894,7 +6894,7 @@
           <a:effectLst/>
           <a:extLst>
             <a:ext uri="{91240B29-F687-4f45-9708-019B960494DF}">
-              <a14:hiddenLine xmlns="" xmlns:a16="http://schemas.microsoft.com/office/drawing/2014/main" xmlns:p14="http://schemas.microsoft.com/office/powerpoint/2010/main" xmlns:a14="http://schemas.microsoft.com/office/drawing/2010/main" w="9525">
+              <a14:hiddenLine xmlns:a14="http://schemas.microsoft.com/office/drawing/2010/main" xmlns:p14="http://schemas.microsoft.com/office/powerpoint/2010/main" xmlns:a16="http://schemas.microsoft.com/office/drawing/2014/main" xmlns="" w="9525">
                 <a:solidFill>
                   <a:srgbClr val="000000"/>
                 </a:solidFill>
@@ -7651,7 +7651,7 @@
           <a:effectLst/>
           <a:extLst>
             <a:ext uri="{91240B29-F687-4f45-9708-019B960494DF}">
-              <a14:hiddenLine xmlns:a14="http://schemas.microsoft.com/office/drawing/2010/main" xmlns:p14="http://schemas.microsoft.com/office/powerpoint/2010/main" xmlns:a16="http://schemas.microsoft.com/office/drawing/2014/main" xmlns="" w="9525">
+              <a14:hiddenLine xmlns="" xmlns:a16="http://schemas.microsoft.com/office/drawing/2014/main" xmlns:p14="http://schemas.microsoft.com/office/powerpoint/2010/main" xmlns:a14="http://schemas.microsoft.com/office/drawing/2010/main" w="9525">
                 <a:solidFill>
                   <a:srgbClr val="000000"/>
                 </a:solidFill>
@@ -8146,7 +8146,7 @@
           <a:effectLst/>
           <a:extLst>
             <a:ext uri="{91240B29-F687-4f45-9708-019B960494DF}">
-              <a14:hiddenLine xmlns:a16="http://schemas.microsoft.com/office/drawing/2014/main" xmlns:p14="http://schemas.microsoft.com/office/powerpoint/2010/main" xmlns:a14="http://schemas.microsoft.com/office/drawing/2010/main" xmlns="" w="9525">
+              <a14:hiddenLine xmlns="" xmlns:a14="http://schemas.microsoft.com/office/drawing/2010/main" xmlns:p14="http://schemas.microsoft.com/office/powerpoint/2010/main" xmlns:a16="http://schemas.microsoft.com/office/drawing/2014/main" w="9525">
                 <a:solidFill>
                   <a:srgbClr val="000000"/>
                 </a:solidFill>
@@ -11781,7 +11781,7 @@
           <a:effectLst/>
           <a:extLst>
             <a:ext uri="{91240B29-F687-4f45-9708-019B960494DF}">
-              <a14:hiddenLine xmlns="" xmlns:a16="http://schemas.microsoft.com/office/drawing/2014/main" xmlns:p14="http://schemas.microsoft.com/office/powerpoint/2010/main" xmlns:a14="http://schemas.microsoft.com/office/drawing/2010/main" w="9525">
+              <a14:hiddenLine xmlns:a14="http://schemas.microsoft.com/office/drawing/2010/main" xmlns:p14="http://schemas.microsoft.com/office/powerpoint/2010/main" xmlns:a16="http://schemas.microsoft.com/office/drawing/2014/main" xmlns="" w="9525">
                 <a:solidFill>
                   <a:srgbClr val="000000"/>
                 </a:solidFill>
@@ -13568,7 +13568,7 @@
           <a:effectLst/>
           <a:extLst>
             <a:ext uri="{91240B29-F687-4f45-9708-019B960494DF}">
-              <a14:hiddenLine xmlns="" xmlns:a16="http://schemas.microsoft.com/office/drawing/2014/main" xmlns:p14="http://schemas.microsoft.com/office/powerpoint/2010/main" xmlns:a14="http://schemas.microsoft.com/office/drawing/2010/main" w="9525">
+              <a14:hiddenLine xmlns:a14="http://schemas.microsoft.com/office/drawing/2010/main" xmlns:p14="http://schemas.microsoft.com/office/powerpoint/2010/main" xmlns:a16="http://schemas.microsoft.com/office/drawing/2014/main" xmlns="" w="9525">
                 <a:solidFill>
                   <a:srgbClr val="000000"/>
                 </a:solidFill>
@@ -13840,7 +13840,7 @@
                   <a:srgbClr val="FFFFFF"/>
                 </a:solidFill>
               </a:rPr>
-              <a:t>Datensätze</a:t>
+              <a:t>Dataunderstanding</a:t>
             </a:r>
             <a:endParaRPr lang="en-US" dirty="0">
               <a:solidFill>
@@ -14550,6 +14550,17 @@
                 <a:cs typeface="Calibri Light"/>
               </a:rPr>
               <a:t>Vorgehensweise</a:t>
+            </a:r>
+            <a:br>
+              <a:rPr lang="de-DE" dirty="0">
+                <a:cs typeface="Calibri Light"/>
+              </a:rPr>
+            </a:br>
+            <a:r>
+              <a:rPr lang="de-DE" dirty="0">
+                <a:cs typeface="Calibri Light"/>
+              </a:rPr>
+              <a:t>- Solution</a:t>
             </a:r>
             <a:endParaRPr lang="de-DE" dirty="0"/>
           </a:p>
@@ -14947,6 +14958,17 @@
                 <a:cs typeface="Calibri Light"/>
               </a:rPr>
               <a:t>Vorgehensweise</a:t>
+            </a:r>
+            <a:br>
+              <a:rPr lang="de-DE" dirty="0">
+                <a:cs typeface="Calibri Light"/>
+              </a:rPr>
+            </a:br>
+            <a:r>
+              <a:rPr lang="de-DE" dirty="0">
+                <a:cs typeface="Calibri Light"/>
+              </a:rPr>
+              <a:t>- Fehler</a:t>
             </a:r>
             <a:endParaRPr lang="de-DE" dirty="0"/>
           </a:p>
@@ -15401,7 +15423,7 @@
           <a:effectLst/>
           <a:extLst>
             <a:ext uri="{91240B29-F687-4f45-9708-019B960494DF}">
-              <a14:hiddenLine xmlns:a14="http://schemas.microsoft.com/office/drawing/2010/main" xmlns:p14="http://schemas.microsoft.com/office/powerpoint/2010/main" xmlns:a16="http://schemas.microsoft.com/office/drawing/2014/main" xmlns="" w="9525">
+              <a14:hiddenLine xmlns="" xmlns:a16="http://schemas.microsoft.com/office/drawing/2014/main" xmlns:p14="http://schemas.microsoft.com/office/powerpoint/2010/main" xmlns:a14="http://schemas.microsoft.com/office/drawing/2010/main" w="9525">
                 <a:solidFill>
                   <a:srgbClr val="000000"/>
                 </a:solidFill>
